--- a/Employee-Attrition-Analysis.pptx
+++ b/Employee-Attrition-Analysis.pptx
@@ -13,9 +13,10 @@
     <p:sldId id="261" r:id="rId7"/>
     <p:sldId id="262" r:id="rId8"/>
     <p:sldId id="263" r:id="rId9"/>
+    <p:sldId id="264" r:id="rId10"/>
   </p:sldIdLst>
   <p:notesMasterIdLst>
-    <p:notesMasterId r:id="rId10"/>
+    <p:notesMasterId r:id="rId11"/>
   </p:notesMasterIdLst>
   <p:sldSz cx="14630400" cy="8229600"/>
   <p:notesSz cx="8229600" cy="14630400"/>
@@ -1149,6 +1150,94 @@
             <a:fld id="{F7021451-1387-4CA6-816F-3879F97B5CBC}" type="slidenum">
               <a:rPr lang="en-US"/>
               <a:t>8</a:t>
+            </a:fld>
+            <a:endParaRPr lang="en-US"/>
+          </a:p>
+        </p:txBody>
+      </p:sp>
+    </p:spTree>
+    <p:extLst>
+      <p:ext uri="{BB962C8B-B14F-4D97-AF65-F5344CB8AC3E}">
+        <p14:creationId xmlns:p14="http://schemas.microsoft.com/office/powerpoint/2010/main" val="1024086991"/>
+      </p:ext>
+    </p:extLst>
+  </p:cSld>
+  <p:clrMapOvr>
+    <a:masterClrMapping/>
+  </p:clrMapOvr>
+</p:notes>
+</file>
+
+<file path=ppt/notesSlides/notesSlide9.xml><?xml version="1.0" encoding="utf-8"?>
+<p:notes xmlns:a="http://schemas.openxmlformats.org/drawingml/2006/main" xmlns:r="http://schemas.openxmlformats.org/officeDocument/2006/relationships" xmlns:p="http://schemas.openxmlformats.org/presentationml/2006/main">
+  <p:cSld>
+    <p:spTree>
+      <p:nvGrpSpPr>
+        <p:cNvPr id="1" name=""/>
+        <p:cNvGrpSpPr/>
+        <p:nvPr/>
+      </p:nvGrpSpPr>
+      <p:grpSpPr>
+        <a:xfrm>
+          <a:off x="0" y="0"/>
+          <a:ext cx="0" cy="0"/>
+          <a:chOff x="0" y="0"/>
+          <a:chExt cx="0" cy="0"/>
+        </a:xfrm>
+      </p:grpSpPr>
+      <p:sp>
+        <p:nvSpPr>
+          <p:cNvPr id="2" name="Slide Image Placeholder 1"/>
+          <p:cNvSpPr>
+            <a:spLocks noGrp="1" noRot="1" noChangeAspect="1"/>
+          </p:cNvSpPr>
+          <p:nvPr>
+            <p:ph type="sldImg"/>
+          </p:nvPr>
+        </p:nvSpPr>
+        <p:spPr/>
+      </p:sp>
+      <p:sp>
+        <p:nvSpPr>
+          <p:cNvPr id="3" name="Notes Placeholder 2"/>
+          <p:cNvSpPr>
+            <a:spLocks noGrp="1"/>
+          </p:cNvSpPr>
+          <p:nvPr>
+            <p:ph type="body" idx="1"/>
+          </p:nvPr>
+        </p:nvSpPr>
+        <p:spPr/>
+        <p:txBody>
+          <a:bodyPr/>
+          <a:lstStyle/>
+          <a:p>
+            <a:r>
+              <a:rPr lang="en-US" dirty="0"/>
+              <a:t/>
+            </a:r>
+            <a:endParaRPr lang="en-US" dirty="0"/>
+          </a:p>
+        </p:txBody>
+      </p:sp>
+      <p:sp>
+        <p:nvSpPr>
+          <p:cNvPr id="4" name="Slide Number Placeholder 3"/>
+          <p:cNvSpPr>
+            <a:spLocks noGrp="1"/>
+          </p:cNvSpPr>
+          <p:nvPr>
+            <p:ph type="sldNum" sz="quarter" idx="10"/>
+          </p:nvPr>
+        </p:nvSpPr>
+        <p:spPr/>
+        <p:txBody>
+          <a:bodyPr/>
+          <a:lstStyle/>
+          <a:p>
+            <a:fld id="{F7021451-1387-4CA6-816F-3879F97B5CBC}" type="slidenum">
+              <a:rPr lang="en-US"/>
+              <a:t>9</a:t>
             </a:fld>
             <a:endParaRPr lang="en-US"/>
           </a:p>
@@ -1720,7 +1809,7 @@
         </p:nvSpPr>
         <p:spPr>
           <a:xfrm>
-            <a:off x="787598" y="2384822"/>
+            <a:off x="787598" y="1726763"/>
             <a:ext cx="5626298" cy="703302"/>
           </a:xfrm>
           <a:prstGeom prst="rect">
@@ -1748,7 +1837,7 @@
                 <a:ea typeface="Kanit" pitchFamily="34" charset="-122"/>
                 <a:cs typeface="Kanit" pitchFamily="34" charset="-120"/>
               </a:rPr>
-              <a:t>Problem statement</a:t>
+              <a:t>Content</a:t>
             </a:r>
             <a:endParaRPr lang="en-US" sz="4430" dirty="0"/>
           </a:p>
@@ -1762,8 +1851,8 @@
         </p:nvSpPr>
         <p:spPr>
           <a:xfrm>
-            <a:off x="787598" y="3538180"/>
-            <a:ext cx="13055203" cy="720090"/>
+            <a:off x="1237655" y="2880122"/>
+            <a:ext cx="12605147" cy="450056"/>
           </a:xfrm>
           <a:prstGeom prst="rect">
             <a:avLst/>
@@ -1772,17 +1861,18 @@
           <a:ln/>
         </p:spPr>
         <p:txBody>
-          <a:bodyPr wrap="square" rtlCol="0" anchor="t"/>
-          <a:lstStyle/>
-          <a:p>
-            <a:pPr indent="0" marL="0">
+          <a:bodyPr wrap="none" rtlCol="0" anchor="t"/>
+          <a:lstStyle/>
+          <a:p>
+            <a:pPr algn="l" marL="342900" indent="-342900">
               <a:lnSpc>
-                <a:spcPts val="2835"/>
+                <a:spcPts val="3544"/>
               </a:lnSpc>
-              <a:buNone/>
+              <a:buSzPct val="100000"/>
+              <a:buChar char="•"/>
             </a:pPr>
             <a:r>
-              <a:rPr lang="en-US" sz="1772" dirty="0">
+              <a:rPr lang="en-US" sz="2215" dirty="0">
                 <a:solidFill>
                   <a:srgbClr val="2C3249"/>
                 </a:solidFill>
@@ -1790,9 +1880,9 @@
                 <a:ea typeface="Martel Sans" pitchFamily="34" charset="-122"/>
                 <a:cs typeface="Martel Sans" pitchFamily="34" charset="-120"/>
               </a:rPr>
-              <a:t>Company which was established a few years back is facing around a 15% attrition rate for a couple of years. And it's majorly affecting the company in many aspects. </a:t>
-            </a:r>
-            <a:endParaRPr lang="en-US" sz="1772" dirty="0"/>
+              <a:t>Problem statement</a:t>
+            </a:r>
+            <a:endParaRPr lang="en-US" sz="2215" dirty="0"/>
           </a:p>
         </p:txBody>
       </p:sp>
@@ -1804,8 +1894,8 @@
         </p:nvSpPr>
         <p:spPr>
           <a:xfrm>
-            <a:off x="787598" y="4511397"/>
-            <a:ext cx="13055203" cy="720090"/>
+            <a:off x="1237655" y="3408878"/>
+            <a:ext cx="12605147" cy="450056"/>
           </a:xfrm>
           <a:prstGeom prst="rect">
             <a:avLst/>
@@ -1814,17 +1904,18 @@
           <a:ln/>
         </p:spPr>
         <p:txBody>
-          <a:bodyPr wrap="square" rtlCol="0" anchor="t"/>
-          <a:lstStyle/>
-          <a:p>
-            <a:pPr indent="0" marL="0">
+          <a:bodyPr wrap="none" rtlCol="0" anchor="t"/>
+          <a:lstStyle/>
+          <a:p>
+            <a:pPr algn="l" marL="342900" indent="-342900">
               <a:lnSpc>
-                <a:spcPts val="2835"/>
+                <a:spcPts val="3544"/>
               </a:lnSpc>
-              <a:buNone/>
+              <a:buSzPct val="100000"/>
+              <a:buChar char="•"/>
             </a:pPr>
             <a:r>
-              <a:rPr lang="en-US" sz="1772" dirty="0">
+              <a:rPr lang="en-US" sz="2215" dirty="0">
                 <a:solidFill>
                   <a:srgbClr val="2C3249"/>
                 </a:solidFill>
@@ -1832,9 +1923,9 @@
                 <a:ea typeface="Martel Sans" pitchFamily="34" charset="-122"/>
                 <a:cs typeface="Martel Sans" pitchFamily="34" charset="-120"/>
               </a:rPr>
-              <a:t>In order to understand why employees are leaving the company and reduce the attrition rate Company has approached an HR analytics consultancy for analyzing the data they have. </a:t>
-            </a:r>
-            <a:endParaRPr lang="en-US" sz="1772" dirty="0"/>
+              <a:t>Key Metrics </a:t>
+            </a:r>
+            <a:endParaRPr lang="en-US" sz="2215" dirty="0"/>
           </a:p>
         </p:txBody>
       </p:sp>
@@ -1846,8 +1937,8 @@
         </p:nvSpPr>
         <p:spPr>
           <a:xfrm>
-            <a:off x="787598" y="5484614"/>
-            <a:ext cx="13055203" cy="360045"/>
+            <a:off x="1237655" y="3937635"/>
+            <a:ext cx="12605147" cy="450056"/>
           </a:xfrm>
           <a:prstGeom prst="rect">
             <a:avLst/>
@@ -1859,14 +1950,15 @@
           <a:bodyPr wrap="none" rtlCol="0" anchor="t"/>
           <a:lstStyle/>
           <a:p>
-            <a:pPr indent="0" marL="0">
+            <a:pPr algn="l" marL="342900" indent="-342900">
               <a:lnSpc>
-                <a:spcPts val="2835"/>
+                <a:spcPts val="3544"/>
               </a:lnSpc>
-              <a:buNone/>
+              <a:buSzPct val="100000"/>
+              <a:buChar char="•"/>
             </a:pPr>
             <a:r>
-              <a:rPr lang="en-US" sz="1772" dirty="0">
+              <a:rPr lang="en-US" sz="2215" dirty="0">
                 <a:solidFill>
                   <a:srgbClr val="2C3249"/>
                 </a:solidFill>
@@ -1874,15 +1966,187 @@
                 <a:ea typeface="Martel Sans" pitchFamily="34" charset="-122"/>
                 <a:cs typeface="Martel Sans" pitchFamily="34" charset="-120"/>
               </a:rPr>
-              <a:t>Building a dashboard which can help the organization in making data-driven decisions.</a:t>
-            </a:r>
-            <a:endParaRPr lang="en-US" sz="1772" dirty="0"/>
+              <a:t>Dashboarding(using Tableau) Analysis</a:t>
+            </a:r>
+            <a:endParaRPr lang="en-US" sz="2215" dirty="0"/>
+          </a:p>
+        </p:txBody>
+      </p:sp>
+      <p:sp>
+        <p:nvSpPr>
+          <p:cNvPr id="8" name="Text 6"/>
+          <p:cNvSpPr/>
+          <p:nvPr/>
+        </p:nvSpPr>
+        <p:spPr>
+          <a:xfrm>
+            <a:off x="1237655" y="4466392"/>
+            <a:ext cx="12605147" cy="450056"/>
+          </a:xfrm>
+          <a:prstGeom prst="rect">
+            <a:avLst/>
+          </a:prstGeom>
+          <a:noFill/>
+          <a:ln/>
+        </p:spPr>
+        <p:txBody>
+          <a:bodyPr wrap="none" rtlCol="0" anchor="t"/>
+          <a:lstStyle/>
+          <a:p>
+            <a:pPr algn="l" marL="342900" indent="-342900">
+              <a:lnSpc>
+                <a:spcPts val="3544"/>
+              </a:lnSpc>
+              <a:buSzPct val="100000"/>
+              <a:buChar char="•"/>
+            </a:pPr>
+            <a:r>
+              <a:rPr lang="en-US" sz="2215" dirty="0">
+                <a:solidFill>
+                  <a:srgbClr val="2C3249"/>
+                </a:solidFill>
+                <a:latin typeface="Martel Sans" pitchFamily="34" charset="0"/>
+                <a:ea typeface="Martel Sans" pitchFamily="34" charset="-122"/>
+                <a:cs typeface="Martel Sans" pitchFamily="34" charset="-120"/>
+              </a:rPr>
+              <a:t>Inferences Or Insights</a:t>
+            </a:r>
+            <a:endParaRPr lang="en-US" sz="2215" dirty="0"/>
+          </a:p>
+        </p:txBody>
+      </p:sp>
+      <p:sp>
+        <p:nvSpPr>
+          <p:cNvPr id="9" name="Text 7"/>
+          <p:cNvSpPr/>
+          <p:nvPr/>
+        </p:nvSpPr>
+        <p:spPr>
+          <a:xfrm>
+            <a:off x="1237655" y="4995148"/>
+            <a:ext cx="12605147" cy="450056"/>
+          </a:xfrm>
+          <a:prstGeom prst="rect">
+            <a:avLst/>
+          </a:prstGeom>
+          <a:noFill/>
+          <a:ln/>
+        </p:spPr>
+        <p:txBody>
+          <a:bodyPr wrap="none" rtlCol="0" anchor="t"/>
+          <a:lstStyle/>
+          <a:p>
+            <a:pPr algn="l" marL="342900" indent="-342900">
+              <a:lnSpc>
+                <a:spcPts val="3544"/>
+              </a:lnSpc>
+              <a:buSzPct val="100000"/>
+              <a:buChar char="•"/>
+            </a:pPr>
+            <a:r>
+              <a:rPr lang="en-US" sz="2215" dirty="0">
+                <a:solidFill>
+                  <a:srgbClr val="2C3249"/>
+                </a:solidFill>
+                <a:latin typeface="Martel Sans" pitchFamily="34" charset="0"/>
+                <a:ea typeface="Martel Sans" pitchFamily="34" charset="-122"/>
+                <a:cs typeface="Martel Sans" pitchFamily="34" charset="-120"/>
+              </a:rPr>
+              <a:t>RCA(Problem behind the cause)</a:t>
+            </a:r>
+            <a:endParaRPr lang="en-US" sz="2215" dirty="0"/>
+          </a:p>
+        </p:txBody>
+      </p:sp>
+      <p:sp>
+        <p:nvSpPr>
+          <p:cNvPr id="10" name="Text 8"/>
+          <p:cNvSpPr/>
+          <p:nvPr/>
+        </p:nvSpPr>
+        <p:spPr>
+          <a:xfrm>
+            <a:off x="1237655" y="5523905"/>
+            <a:ext cx="12605147" cy="450056"/>
+          </a:xfrm>
+          <a:prstGeom prst="rect">
+            <a:avLst/>
+          </a:prstGeom>
+          <a:noFill/>
+          <a:ln/>
+        </p:spPr>
+        <p:txBody>
+          <a:bodyPr wrap="none" rtlCol="0" anchor="t"/>
+          <a:lstStyle/>
+          <a:p>
+            <a:pPr algn="l" marL="342900" indent="-342900">
+              <a:lnSpc>
+                <a:spcPts val="3544"/>
+              </a:lnSpc>
+              <a:buSzPct val="100000"/>
+              <a:buChar char="•"/>
+            </a:pPr>
+            <a:r>
+              <a:rPr lang="en-US" sz="2215" dirty="0">
+                <a:solidFill>
+                  <a:srgbClr val="2C3249"/>
+                </a:solidFill>
+                <a:latin typeface="Martel Sans" pitchFamily="34" charset="0"/>
+                <a:ea typeface="Martel Sans" pitchFamily="34" charset="-122"/>
+                <a:cs typeface="Martel Sans" pitchFamily="34" charset="-120"/>
+              </a:rPr>
+              <a:t>Recommendations</a:t>
+            </a:r>
+            <a:endParaRPr lang="en-US" sz="2215" dirty="0"/>
+          </a:p>
+        </p:txBody>
+      </p:sp>
+      <p:sp>
+        <p:nvSpPr>
+          <p:cNvPr id="11" name="Text 9"/>
+          <p:cNvSpPr/>
+          <p:nvPr/>
+        </p:nvSpPr>
+        <p:spPr>
+          <a:xfrm>
+            <a:off x="1237655" y="6052661"/>
+            <a:ext cx="12605147" cy="450056"/>
+          </a:xfrm>
+          <a:prstGeom prst="rect">
+            <a:avLst/>
+          </a:prstGeom>
+          <a:noFill/>
+          <a:ln/>
+        </p:spPr>
+        <p:txBody>
+          <a:bodyPr wrap="none" rtlCol="0" anchor="t"/>
+          <a:lstStyle/>
+          <a:p>
+            <a:pPr algn="l" marL="342900" indent="-342900">
+              <a:lnSpc>
+                <a:spcPts val="3544"/>
+              </a:lnSpc>
+              <a:buSzPct val="100000"/>
+              <a:buChar char="•"/>
+            </a:pPr>
+            <a:r>
+              <a:rPr lang="en-US" sz="2215" dirty="0">
+                <a:solidFill>
+                  <a:srgbClr val="2C3249"/>
+                </a:solidFill>
+                <a:latin typeface="Martel Sans" pitchFamily="34" charset="0"/>
+                <a:ea typeface="Martel Sans" pitchFamily="34" charset="-122"/>
+                <a:cs typeface="Martel Sans" pitchFamily="34" charset="-120"/>
+              </a:rPr>
+              <a:t>Conclusion</a:t>
+            </a:r>
+            <a:endParaRPr lang="en-US" sz="2215" dirty="0"/>
           </a:p>
         </p:txBody>
       </p:sp>
       <p:pic>
         <p:nvPicPr>
-          <p:cNvPr id="8" name="Image 0" descr="preencoded.png">
+          <p:cNvPr id="12" name="Image 0" descr="preencoded.png">
             <a:hlinkClick r:id="rId2" tooltip=""/>
           </p:cNvPr>
           <p:cNvPicPr>
@@ -1979,7 +2243,7 @@
         </p:nvSpPr>
         <p:spPr>
           <a:xfrm>
-            <a:off x="787598" y="2086689"/>
+            <a:off x="787598" y="2384822"/>
             <a:ext cx="5626298" cy="703302"/>
           </a:xfrm>
           <a:prstGeom prst="rect">
@@ -2007,7 +2271,7 @@
                 <a:ea typeface="Kanit" pitchFamily="34" charset="-122"/>
                 <a:cs typeface="Kanit" pitchFamily="34" charset="-120"/>
               </a:rPr>
-              <a:t>Key Metrics</a:t>
+              <a:t>Problem statement</a:t>
             </a:r>
             <a:endParaRPr lang="en-US" sz="4430" dirty="0"/>
           </a:p>
@@ -2021,8 +2285,8 @@
         </p:nvSpPr>
         <p:spPr>
           <a:xfrm>
-            <a:off x="787598" y="3330059"/>
-            <a:ext cx="6253043" cy="360045"/>
+            <a:off x="787598" y="3538180"/>
+            <a:ext cx="13055203" cy="720090"/>
           </a:xfrm>
           <a:prstGeom prst="rect">
             <a:avLst/>
@@ -2031,7 +2295,7 @@
           <a:ln/>
         </p:spPr>
         <p:txBody>
-          <a:bodyPr wrap="none" rtlCol="0" anchor="t"/>
+          <a:bodyPr wrap="square" rtlCol="0" anchor="t"/>
           <a:lstStyle/>
           <a:p>
             <a:pPr indent="0" marL="0">
@@ -2049,7 +2313,7 @@
                 <a:ea typeface="Martel Sans" pitchFamily="34" charset="-122"/>
                 <a:cs typeface="Martel Sans" pitchFamily="34" charset="-120"/>
               </a:rPr>
-              <a:t>Total Employees: 2511</a:t>
+              <a:t>Company which was established a few years back is facing around a 15% attrition rate for a couple of years. And it's majorly affecting the company in many aspects. </a:t>
             </a:r>
             <a:endParaRPr lang="en-US" sz="1772" dirty="0"/>
           </a:p>
@@ -2063,8 +2327,8 @@
         </p:nvSpPr>
         <p:spPr>
           <a:xfrm>
-            <a:off x="787598" y="3892629"/>
-            <a:ext cx="6253043" cy="360045"/>
+            <a:off x="787598" y="4511397"/>
+            <a:ext cx="13055203" cy="720090"/>
           </a:xfrm>
           <a:prstGeom prst="rect">
             <a:avLst/>
@@ -2073,7 +2337,7 @@
           <a:ln/>
         </p:spPr>
         <p:txBody>
-          <a:bodyPr wrap="none" rtlCol="0" anchor="t"/>
+          <a:bodyPr wrap="square" rtlCol="0" anchor="t"/>
           <a:lstStyle/>
           <a:p>
             <a:pPr indent="0" marL="0">
@@ -2091,7 +2355,7 @@
                 <a:ea typeface="Martel Sans" pitchFamily="34" charset="-122"/>
                 <a:cs typeface="Martel Sans" pitchFamily="34" charset="-120"/>
               </a:rPr>
-              <a:t>Employees Who Left: 375</a:t>
+              <a:t>In order to understand why employees are leaving the company and reduce the attrition rate Company has approached an HR analytics consultancy for analyzing the data they have. </a:t>
             </a:r>
             <a:endParaRPr lang="en-US" sz="1772" dirty="0"/>
           </a:p>
@@ -2105,8 +2369,8 @@
         </p:nvSpPr>
         <p:spPr>
           <a:xfrm>
-            <a:off x="787598" y="4455200"/>
-            <a:ext cx="6253043" cy="360045"/>
+            <a:off x="787598" y="5484614"/>
+            <a:ext cx="13055203" cy="360045"/>
           </a:xfrm>
           <a:prstGeom prst="rect">
             <a:avLst/>
@@ -2133,304 +2397,7 @@
                 <a:ea typeface="Martel Sans" pitchFamily="34" charset="-122"/>
                 <a:cs typeface="Martel Sans" pitchFamily="34" charset="-120"/>
               </a:rPr>
-              <a:t>Attrition Rate: 15%</a:t>
-            </a:r>
-            <a:endParaRPr lang="en-US" sz="1772" dirty="0"/>
-          </a:p>
-        </p:txBody>
-      </p:sp>
-      <p:sp>
-        <p:nvSpPr>
-          <p:cNvPr id="8" name="Text 6"/>
-          <p:cNvSpPr/>
-          <p:nvPr/>
-        </p:nvSpPr>
-        <p:spPr>
-          <a:xfrm>
-            <a:off x="787598" y="5017770"/>
-            <a:ext cx="6253043" cy="360045"/>
-          </a:xfrm>
-          <a:prstGeom prst="rect">
-            <a:avLst/>
-          </a:prstGeom>
-          <a:noFill/>
-          <a:ln/>
-        </p:spPr>
-        <p:txBody>
-          <a:bodyPr wrap="none" rtlCol="0" anchor="t"/>
-          <a:lstStyle/>
-          <a:p>
-            <a:pPr indent="0" marL="0">
-              <a:lnSpc>
-                <a:spcPts val="2835"/>
-              </a:lnSpc>
-              <a:buNone/>
-            </a:pPr>
-            <a:r>
-              <a:rPr lang="en-US" sz="1772" dirty="0">
-                <a:solidFill>
-                  <a:srgbClr val="2C3249"/>
-                </a:solidFill>
-                <a:latin typeface="Martel Sans" pitchFamily="34" charset="0"/>
-                <a:ea typeface="Martel Sans" pitchFamily="34" charset="-122"/>
-                <a:cs typeface="Martel Sans" pitchFamily="34" charset="-120"/>
-              </a:rPr>
-              <a:t>Average Employee Age: 37</a:t>
-            </a:r>
-            <a:endParaRPr lang="en-US" sz="1772" dirty="0"/>
-          </a:p>
-        </p:txBody>
-      </p:sp>
-      <p:sp>
-        <p:nvSpPr>
-          <p:cNvPr id="9" name="Text 7"/>
-          <p:cNvSpPr/>
-          <p:nvPr/>
-        </p:nvSpPr>
-        <p:spPr>
-          <a:xfrm>
-            <a:off x="787598" y="5580340"/>
-            <a:ext cx="6253043" cy="360045"/>
-          </a:xfrm>
-          <a:prstGeom prst="rect">
-            <a:avLst/>
-          </a:prstGeom>
-          <a:noFill/>
-          <a:ln/>
-        </p:spPr>
-        <p:txBody>
-          <a:bodyPr wrap="none" rtlCol="0" anchor="t"/>
-          <a:lstStyle/>
-          <a:p>
-            <a:pPr indent="0" marL="0">
-              <a:lnSpc>
-                <a:spcPts val="2835"/>
-              </a:lnSpc>
-              <a:buNone/>
-            </a:pPr>
-            <a:r>
-              <a:rPr lang="en-US" sz="1772" dirty="0">
-                <a:solidFill>
-                  <a:srgbClr val="2C3249"/>
-                </a:solidFill>
-                <a:latin typeface="Martel Sans" pitchFamily="34" charset="0"/>
-                <a:ea typeface="Martel Sans" pitchFamily="34" charset="-122"/>
-                <a:cs typeface="Martel Sans" pitchFamily="34" charset="-120"/>
-              </a:rPr>
-              <a:t>Active Employees: 2136</a:t>
-            </a:r>
-            <a:endParaRPr lang="en-US" sz="1772" dirty="0"/>
-          </a:p>
-        </p:txBody>
-      </p:sp>
-      <p:sp>
-        <p:nvSpPr>
-          <p:cNvPr id="10" name="Text 8"/>
-          <p:cNvSpPr/>
-          <p:nvPr/>
-        </p:nvSpPr>
-        <p:spPr>
-          <a:xfrm>
-            <a:off x="7597378" y="3352562"/>
-            <a:ext cx="3002994" cy="351592"/>
-          </a:xfrm>
-          <a:prstGeom prst="rect">
-            <a:avLst/>
-          </a:prstGeom>
-          <a:noFill/>
-          <a:ln/>
-        </p:spPr>
-        <p:txBody>
-          <a:bodyPr wrap="none" rtlCol="0" anchor="t"/>
-          <a:lstStyle/>
-          <a:p>
-            <a:pPr indent="0" marL="0">
-              <a:lnSpc>
-                <a:spcPts val="2769"/>
-              </a:lnSpc>
-              <a:buNone/>
-            </a:pPr>
-            <a:r>
-              <a:rPr lang="en-US" sz="2215" dirty="0">
-                <a:solidFill>
-                  <a:srgbClr val="272D45"/>
-                </a:solidFill>
-                <a:latin typeface="Kanit" pitchFamily="34" charset="0"/>
-                <a:ea typeface="Kanit" pitchFamily="34" charset="-122"/>
-                <a:cs typeface="Kanit" pitchFamily="34" charset="-120"/>
-              </a:rPr>
-              <a:t>Top Reasons for Leaving</a:t>
-            </a:r>
-            <a:endParaRPr lang="en-US" sz="2215" dirty="0"/>
-          </a:p>
-        </p:txBody>
-      </p:sp>
-      <p:sp>
-        <p:nvSpPr>
-          <p:cNvPr id="11" name="Text 9"/>
-          <p:cNvSpPr/>
-          <p:nvPr/>
-        </p:nvSpPr>
-        <p:spPr>
-          <a:xfrm>
-            <a:off x="7597378" y="3929182"/>
-            <a:ext cx="6253043" cy="360045"/>
-          </a:xfrm>
-          <a:prstGeom prst="rect">
-            <a:avLst/>
-          </a:prstGeom>
-          <a:noFill/>
-          <a:ln/>
-        </p:spPr>
-        <p:txBody>
-          <a:bodyPr wrap="none" rtlCol="0" anchor="t"/>
-          <a:lstStyle/>
-          <a:p>
-            <a:pPr indent="0" marL="0">
-              <a:lnSpc>
-                <a:spcPts val="2835"/>
-              </a:lnSpc>
-              <a:buNone/>
-            </a:pPr>
-            <a:r>
-              <a:rPr lang="en-US" sz="1772" dirty="0">
-                <a:solidFill>
-                  <a:srgbClr val="2C3249"/>
-                </a:solidFill>
-                <a:latin typeface="Martel Sans" pitchFamily="34" charset="0"/>
-                <a:ea typeface="Martel Sans" pitchFamily="34" charset="-122"/>
-                <a:cs typeface="Martel Sans" pitchFamily="34" charset="-120"/>
-              </a:rPr>
-              <a:t>The primary factors driving employees to leave include:</a:t>
-            </a:r>
-            <a:endParaRPr lang="en-US" sz="1772" dirty="0"/>
-          </a:p>
-        </p:txBody>
-      </p:sp>
-      <p:sp>
-        <p:nvSpPr>
-          <p:cNvPr id="12" name="Text 10"/>
-          <p:cNvSpPr/>
-          <p:nvPr/>
-        </p:nvSpPr>
-        <p:spPr>
-          <a:xfrm>
-            <a:off x="7957423" y="4491752"/>
-            <a:ext cx="5892998" cy="360045"/>
-          </a:xfrm>
-          <a:prstGeom prst="rect">
-            <a:avLst/>
-          </a:prstGeom>
-          <a:noFill/>
-          <a:ln/>
-        </p:spPr>
-        <p:txBody>
-          <a:bodyPr wrap="none" rtlCol="0" anchor="t"/>
-          <a:lstStyle/>
-          <a:p>
-            <a:pPr algn="l" marL="342900" indent="-342900">
-              <a:lnSpc>
-                <a:spcPts val="2835"/>
-              </a:lnSpc>
-              <a:buSzPct val="100000"/>
-              <a:buChar char="•"/>
-            </a:pPr>
-            <a:r>
-              <a:rPr lang="en-US" sz="1772" dirty="0">
-                <a:solidFill>
-                  <a:srgbClr val="2C3249"/>
-                </a:solidFill>
-                <a:latin typeface="Martel Sans" pitchFamily="34" charset="0"/>
-                <a:ea typeface="Martel Sans" pitchFamily="34" charset="-122"/>
-                <a:cs typeface="Martel Sans" pitchFamily="34" charset="-120"/>
-              </a:rPr>
-              <a:t>Better job opportunities elsewhere</a:t>
-            </a:r>
-            <a:endParaRPr lang="en-US" sz="1772" dirty="0"/>
-          </a:p>
-        </p:txBody>
-      </p:sp>
-      <p:sp>
-        <p:nvSpPr>
-          <p:cNvPr id="13" name="Text 11"/>
-          <p:cNvSpPr/>
-          <p:nvPr/>
-        </p:nvSpPr>
-        <p:spPr>
-          <a:xfrm>
-            <a:off x="7957423" y="4930497"/>
-            <a:ext cx="5892998" cy="360045"/>
-          </a:xfrm>
-          <a:prstGeom prst="rect">
-            <a:avLst/>
-          </a:prstGeom>
-          <a:noFill/>
-          <a:ln/>
-        </p:spPr>
-        <p:txBody>
-          <a:bodyPr wrap="none" rtlCol="0" anchor="t"/>
-          <a:lstStyle/>
-          <a:p>
-            <a:pPr algn="l" marL="342900" indent="-342900">
-              <a:lnSpc>
-                <a:spcPts val="2835"/>
-              </a:lnSpc>
-              <a:buSzPct val="100000"/>
-              <a:buChar char="•"/>
-            </a:pPr>
-            <a:r>
-              <a:rPr lang="en-US" sz="1772" dirty="0">
-                <a:solidFill>
-                  <a:srgbClr val="2C3249"/>
-                </a:solidFill>
-                <a:latin typeface="Martel Sans" pitchFamily="34" charset="0"/>
-                <a:ea typeface="Martel Sans" pitchFamily="34" charset="-122"/>
-                <a:cs typeface="Martel Sans" pitchFamily="34" charset="-120"/>
-              </a:rPr>
-              <a:t>Work-life balance challenges</a:t>
-            </a:r>
-            <a:endParaRPr lang="en-US" sz="1772" dirty="0"/>
-          </a:p>
-        </p:txBody>
-      </p:sp>
-      <p:sp>
-        <p:nvSpPr>
-          <p:cNvPr id="14" name="Text 12"/>
-          <p:cNvSpPr/>
-          <p:nvPr/>
-        </p:nvSpPr>
-        <p:spPr>
-          <a:xfrm>
-            <a:off x="7957423" y="5369243"/>
-            <a:ext cx="5892998" cy="360045"/>
-          </a:xfrm>
-          <a:prstGeom prst="rect">
-            <a:avLst/>
-          </a:prstGeom>
-          <a:noFill/>
-          <a:ln/>
-        </p:spPr>
-        <p:txBody>
-          <a:bodyPr wrap="none" rtlCol="0" anchor="t"/>
-          <a:lstStyle/>
-          <a:p>
-            <a:pPr algn="l" marL="342900" indent="-342900">
-              <a:lnSpc>
-                <a:spcPts val="2835"/>
-              </a:lnSpc>
-              <a:buSzPct val="100000"/>
-              <a:buChar char="•"/>
-            </a:pPr>
-            <a:r>
-              <a:rPr lang="en-US" sz="1772" dirty="0">
-                <a:solidFill>
-                  <a:srgbClr val="2C3249"/>
-                </a:solidFill>
-                <a:latin typeface="Martel Sans" pitchFamily="34" charset="0"/>
-                <a:ea typeface="Martel Sans" pitchFamily="34" charset="-122"/>
-                <a:cs typeface="Martel Sans" pitchFamily="34" charset="-120"/>
-              </a:rPr>
-              <a:t>Lack of career development opportunities</a:t>
+              <a:t>Building a dashboard which can help the organization in making data-driven decisions.</a:t>
             </a:r>
             <a:endParaRPr lang="en-US" sz="1772" dirty="0"/>
           </a:p>
@@ -2438,7 +2405,7 @@
       </p:sp>
       <p:pic>
         <p:nvPicPr>
-          <p:cNvPr id="15" name="Image 0" descr="preencoded.png">
+          <p:cNvPr id="8" name="Image 0" descr="preencoded.png">
             <a:hlinkClick r:id="rId2" tooltip=""/>
           </p:cNvPr>
           <p:cNvPicPr>
@@ -2516,7 +2483,7 @@
         <p:spPr>
           <a:xfrm>
             <a:off x="0" y="0"/>
-            <a:ext cx="14630400" cy="10645854"/>
+            <a:ext cx="14630400" cy="8229600"/>
           </a:xfrm>
           <a:prstGeom prst="rect">
             <a:avLst/>
@@ -2535,7 +2502,7 @@
         </p:nvSpPr>
         <p:spPr>
           <a:xfrm>
-            <a:off x="787598" y="618887"/>
+            <a:off x="787598" y="2086689"/>
             <a:ext cx="5626298" cy="703302"/>
           </a:xfrm>
           <a:prstGeom prst="rect">
@@ -2563,72 +2530,22 @@
                 <a:ea typeface="Kanit" pitchFamily="34" charset="-122"/>
                 <a:cs typeface="Kanit" pitchFamily="34" charset="-120"/>
               </a:rPr>
-              <a:t>Dashboard:</a:t>
+              <a:t>Key Metrics</a:t>
             </a:r>
             <a:endParaRPr lang="en-US" sz="4430" dirty="0"/>
           </a:p>
         </p:txBody>
       </p:sp>
-      <p:pic>
-        <p:nvPicPr>
-          <p:cNvPr id="5" name="Image 0" descr="preencoded.png">
-            <a:hlinkClick r:id="rId2" tooltip=""/>
-          </p:cNvPr>
-          <p:cNvPicPr>
-            <a:picLocks noChangeAspect="1"/>
-          </p:cNvPicPr>
-          <p:nvPr/>
-        </p:nvPicPr>
-        <p:blipFill>
-          <a:blip r:embed="rId1"/>
-          <a:stretch>
-            <a:fillRect/>
-          </a:stretch>
-        </p:blipFill>
-        <p:spPr>
-          <a:xfrm>
-            <a:off x="787598" y="1772245"/>
-            <a:ext cx="13055203" cy="2265759"/>
-          </a:xfrm>
-          <a:prstGeom prst="rect">
-            <a:avLst/>
-          </a:prstGeom>
-        </p:spPr>
-      </p:pic>
-      <p:pic>
-        <p:nvPicPr>
-          <p:cNvPr id="6" name="Image 1" descr="preencoded.png">    </p:cNvPr>
-          <p:cNvPicPr>
-            <a:picLocks noChangeAspect="1"/>
-          </p:cNvPicPr>
-          <p:nvPr/>
-        </p:nvPicPr>
-        <p:blipFill>
-          <a:blip r:embed="rId3"/>
-          <a:stretch>
-            <a:fillRect/>
-          </a:stretch>
-        </p:blipFill>
-        <p:spPr>
-          <a:xfrm>
-            <a:off x="787598" y="4291132"/>
-            <a:ext cx="9122926" cy="5122664"/>
-          </a:xfrm>
-          <a:prstGeom prst="rect">
-            <a:avLst/>
-          </a:prstGeom>
-        </p:spPr>
-      </p:pic>
-      <p:sp>
-        <p:nvSpPr>
-          <p:cNvPr id="7" name="Text 3"/>
-          <p:cNvSpPr/>
-          <p:nvPr/>
-        </p:nvSpPr>
-        <p:spPr>
-          <a:xfrm>
-            <a:off x="787598" y="9666923"/>
-            <a:ext cx="13055203" cy="360045"/>
+      <p:sp>
+        <p:nvSpPr>
+          <p:cNvPr id="5" name="Text 3"/>
+          <p:cNvSpPr/>
+          <p:nvPr/>
+        </p:nvSpPr>
+        <p:spPr>
+          <a:xfrm>
+            <a:off x="787598" y="3330059"/>
+            <a:ext cx="6253043" cy="360045"/>
           </a:xfrm>
           <a:prstGeom prst="rect">
             <a:avLst/>
@@ -2646,14 +2563,406 @@
               </a:lnSpc>
               <a:buNone/>
             </a:pPr>
+            <a:r>
+              <a:rPr lang="en-US" sz="1772" dirty="0">
+                <a:solidFill>
+                  <a:srgbClr val="2C3249"/>
+                </a:solidFill>
+                <a:latin typeface="Martel Sans" pitchFamily="34" charset="0"/>
+                <a:ea typeface="Martel Sans" pitchFamily="34" charset="-122"/>
+                <a:cs typeface="Martel Sans" pitchFamily="34" charset="-120"/>
+              </a:rPr>
+              <a:t>Total Employees: 2511</a:t>
+            </a:r>
+            <a:endParaRPr lang="en-US" sz="1772" dirty="0"/>
+          </a:p>
+        </p:txBody>
+      </p:sp>
+      <p:sp>
+        <p:nvSpPr>
+          <p:cNvPr id="6" name="Text 4"/>
+          <p:cNvSpPr/>
+          <p:nvPr/>
+        </p:nvSpPr>
+        <p:spPr>
+          <a:xfrm>
+            <a:off x="787598" y="3892629"/>
+            <a:ext cx="6253043" cy="360045"/>
+          </a:xfrm>
+          <a:prstGeom prst="rect">
+            <a:avLst/>
+          </a:prstGeom>
+          <a:noFill/>
+          <a:ln/>
+        </p:spPr>
+        <p:txBody>
+          <a:bodyPr wrap="none" rtlCol="0" anchor="t"/>
+          <a:lstStyle/>
+          <a:p>
+            <a:pPr indent="0" marL="0">
+              <a:lnSpc>
+                <a:spcPts val="2835"/>
+              </a:lnSpc>
+              <a:buNone/>
+            </a:pPr>
+            <a:r>
+              <a:rPr lang="en-US" sz="1772" dirty="0">
+                <a:solidFill>
+                  <a:srgbClr val="2C3249"/>
+                </a:solidFill>
+                <a:latin typeface="Martel Sans" pitchFamily="34" charset="0"/>
+                <a:ea typeface="Martel Sans" pitchFamily="34" charset="-122"/>
+                <a:cs typeface="Martel Sans" pitchFamily="34" charset="-120"/>
+              </a:rPr>
+              <a:t>Employees Who Left: 375</a:t>
+            </a:r>
+            <a:endParaRPr lang="en-US" sz="1772" dirty="0"/>
+          </a:p>
+        </p:txBody>
+      </p:sp>
+      <p:sp>
+        <p:nvSpPr>
+          <p:cNvPr id="7" name="Text 5"/>
+          <p:cNvSpPr/>
+          <p:nvPr/>
+        </p:nvSpPr>
+        <p:spPr>
+          <a:xfrm>
+            <a:off x="787598" y="4455200"/>
+            <a:ext cx="6253043" cy="360045"/>
+          </a:xfrm>
+          <a:prstGeom prst="rect">
+            <a:avLst/>
+          </a:prstGeom>
+          <a:noFill/>
+          <a:ln/>
+        </p:spPr>
+        <p:txBody>
+          <a:bodyPr wrap="none" rtlCol="0" anchor="t"/>
+          <a:lstStyle/>
+          <a:p>
+            <a:pPr indent="0" marL="0">
+              <a:lnSpc>
+                <a:spcPts val="2835"/>
+              </a:lnSpc>
+              <a:buNone/>
+            </a:pPr>
+            <a:r>
+              <a:rPr lang="en-US" sz="1772" dirty="0">
+                <a:solidFill>
+                  <a:srgbClr val="2C3249"/>
+                </a:solidFill>
+                <a:latin typeface="Martel Sans" pitchFamily="34" charset="0"/>
+                <a:ea typeface="Martel Sans" pitchFamily="34" charset="-122"/>
+                <a:cs typeface="Martel Sans" pitchFamily="34" charset="-120"/>
+              </a:rPr>
+              <a:t>Attrition Rate: 15%</a:t>
+            </a:r>
+            <a:endParaRPr lang="en-US" sz="1772" dirty="0"/>
+          </a:p>
+        </p:txBody>
+      </p:sp>
+      <p:sp>
+        <p:nvSpPr>
+          <p:cNvPr id="8" name="Text 6"/>
+          <p:cNvSpPr/>
+          <p:nvPr/>
+        </p:nvSpPr>
+        <p:spPr>
+          <a:xfrm>
+            <a:off x="787598" y="5017770"/>
+            <a:ext cx="6253043" cy="360045"/>
+          </a:xfrm>
+          <a:prstGeom prst="rect">
+            <a:avLst/>
+          </a:prstGeom>
+          <a:noFill/>
+          <a:ln/>
+        </p:spPr>
+        <p:txBody>
+          <a:bodyPr wrap="none" rtlCol="0" anchor="t"/>
+          <a:lstStyle/>
+          <a:p>
+            <a:pPr indent="0" marL="0">
+              <a:lnSpc>
+                <a:spcPts val="2835"/>
+              </a:lnSpc>
+              <a:buNone/>
+            </a:pPr>
+            <a:r>
+              <a:rPr lang="en-US" sz="1772" dirty="0">
+                <a:solidFill>
+                  <a:srgbClr val="2C3249"/>
+                </a:solidFill>
+                <a:latin typeface="Martel Sans" pitchFamily="34" charset="0"/>
+                <a:ea typeface="Martel Sans" pitchFamily="34" charset="-122"/>
+                <a:cs typeface="Martel Sans" pitchFamily="34" charset="-120"/>
+              </a:rPr>
+              <a:t>Average Employee Age: 37</a:t>
+            </a:r>
+            <a:endParaRPr lang="en-US" sz="1772" dirty="0"/>
+          </a:p>
+        </p:txBody>
+      </p:sp>
+      <p:sp>
+        <p:nvSpPr>
+          <p:cNvPr id="9" name="Text 7"/>
+          <p:cNvSpPr/>
+          <p:nvPr/>
+        </p:nvSpPr>
+        <p:spPr>
+          <a:xfrm>
+            <a:off x="787598" y="5580340"/>
+            <a:ext cx="6253043" cy="360045"/>
+          </a:xfrm>
+          <a:prstGeom prst="rect">
+            <a:avLst/>
+          </a:prstGeom>
+          <a:noFill/>
+          <a:ln/>
+        </p:spPr>
+        <p:txBody>
+          <a:bodyPr wrap="none" rtlCol="0" anchor="t"/>
+          <a:lstStyle/>
+          <a:p>
+            <a:pPr indent="0" marL="0">
+              <a:lnSpc>
+                <a:spcPts val="2835"/>
+              </a:lnSpc>
+              <a:buNone/>
+            </a:pPr>
+            <a:r>
+              <a:rPr lang="en-US" sz="1772" dirty="0">
+                <a:solidFill>
+                  <a:srgbClr val="2C3249"/>
+                </a:solidFill>
+                <a:latin typeface="Martel Sans" pitchFamily="34" charset="0"/>
+                <a:ea typeface="Martel Sans" pitchFamily="34" charset="-122"/>
+                <a:cs typeface="Martel Sans" pitchFamily="34" charset="-120"/>
+              </a:rPr>
+              <a:t>Active Employees: 2136</a:t>
+            </a:r>
+            <a:endParaRPr lang="en-US" sz="1772" dirty="0"/>
+          </a:p>
+        </p:txBody>
+      </p:sp>
+      <p:sp>
+        <p:nvSpPr>
+          <p:cNvPr id="10" name="Text 8"/>
+          <p:cNvSpPr/>
+          <p:nvPr/>
+        </p:nvSpPr>
+        <p:spPr>
+          <a:xfrm>
+            <a:off x="7597378" y="3352562"/>
+            <a:ext cx="3002994" cy="351592"/>
+          </a:xfrm>
+          <a:prstGeom prst="rect">
+            <a:avLst/>
+          </a:prstGeom>
+          <a:noFill/>
+          <a:ln/>
+        </p:spPr>
+        <p:txBody>
+          <a:bodyPr wrap="none" rtlCol="0" anchor="t"/>
+          <a:lstStyle/>
+          <a:p>
+            <a:pPr indent="0" marL="0">
+              <a:lnSpc>
+                <a:spcPts val="2769"/>
+              </a:lnSpc>
+              <a:buNone/>
+            </a:pPr>
+            <a:r>
+              <a:rPr lang="en-US" sz="2215" dirty="0">
+                <a:solidFill>
+                  <a:srgbClr val="272D45"/>
+                </a:solidFill>
+                <a:latin typeface="Kanit" pitchFamily="34" charset="0"/>
+                <a:ea typeface="Kanit" pitchFamily="34" charset="-122"/>
+                <a:cs typeface="Kanit" pitchFamily="34" charset="-120"/>
+              </a:rPr>
+              <a:t>Top Reasons for Leaving</a:t>
+            </a:r>
+            <a:endParaRPr lang="en-US" sz="2215" dirty="0"/>
+          </a:p>
+        </p:txBody>
+      </p:sp>
+      <p:sp>
+        <p:nvSpPr>
+          <p:cNvPr id="11" name="Text 9"/>
+          <p:cNvSpPr/>
+          <p:nvPr/>
+        </p:nvSpPr>
+        <p:spPr>
+          <a:xfrm>
+            <a:off x="7597378" y="3929182"/>
+            <a:ext cx="6253043" cy="360045"/>
+          </a:xfrm>
+          <a:prstGeom prst="rect">
+            <a:avLst/>
+          </a:prstGeom>
+          <a:noFill/>
+          <a:ln/>
+        </p:spPr>
+        <p:txBody>
+          <a:bodyPr wrap="none" rtlCol="0" anchor="t"/>
+          <a:lstStyle/>
+          <a:p>
+            <a:pPr indent="0" marL="0">
+              <a:lnSpc>
+                <a:spcPts val="2835"/>
+              </a:lnSpc>
+              <a:buNone/>
+            </a:pPr>
+            <a:r>
+              <a:rPr lang="en-US" sz="1772" dirty="0">
+                <a:solidFill>
+                  <a:srgbClr val="2C3249"/>
+                </a:solidFill>
+                <a:latin typeface="Martel Sans" pitchFamily="34" charset="0"/>
+                <a:ea typeface="Martel Sans" pitchFamily="34" charset="-122"/>
+                <a:cs typeface="Martel Sans" pitchFamily="34" charset="-120"/>
+              </a:rPr>
+              <a:t>The primary factors driving employees to leave include:</a:t>
+            </a:r>
+            <a:endParaRPr lang="en-US" sz="1772" dirty="0"/>
+          </a:p>
+        </p:txBody>
+      </p:sp>
+      <p:sp>
+        <p:nvSpPr>
+          <p:cNvPr id="12" name="Text 10"/>
+          <p:cNvSpPr/>
+          <p:nvPr/>
+        </p:nvSpPr>
+        <p:spPr>
+          <a:xfrm>
+            <a:off x="7957423" y="4491752"/>
+            <a:ext cx="5892998" cy="360045"/>
+          </a:xfrm>
+          <a:prstGeom prst="rect">
+            <a:avLst/>
+          </a:prstGeom>
+          <a:noFill/>
+          <a:ln/>
+        </p:spPr>
+        <p:txBody>
+          <a:bodyPr wrap="none" rtlCol="0" anchor="t"/>
+          <a:lstStyle/>
+          <a:p>
+            <a:pPr algn="l" marL="342900" indent="-342900">
+              <a:lnSpc>
+                <a:spcPts val="2835"/>
+              </a:lnSpc>
+              <a:buSzPct val="100000"/>
+              <a:buChar char="•"/>
+            </a:pPr>
+            <a:r>
+              <a:rPr lang="en-US" sz="1772" dirty="0">
+                <a:solidFill>
+                  <a:srgbClr val="2C3249"/>
+                </a:solidFill>
+                <a:latin typeface="Martel Sans" pitchFamily="34" charset="0"/>
+                <a:ea typeface="Martel Sans" pitchFamily="34" charset="-122"/>
+                <a:cs typeface="Martel Sans" pitchFamily="34" charset="-120"/>
+              </a:rPr>
+              <a:t>Better job opportunities elsewhere</a:t>
+            </a:r>
+            <a:endParaRPr lang="en-US" sz="1772" dirty="0"/>
+          </a:p>
+        </p:txBody>
+      </p:sp>
+      <p:sp>
+        <p:nvSpPr>
+          <p:cNvPr id="13" name="Text 11"/>
+          <p:cNvSpPr/>
+          <p:nvPr/>
+        </p:nvSpPr>
+        <p:spPr>
+          <a:xfrm>
+            <a:off x="7957423" y="4930497"/>
+            <a:ext cx="5892998" cy="360045"/>
+          </a:xfrm>
+          <a:prstGeom prst="rect">
+            <a:avLst/>
+          </a:prstGeom>
+          <a:noFill/>
+          <a:ln/>
+        </p:spPr>
+        <p:txBody>
+          <a:bodyPr wrap="none" rtlCol="0" anchor="t"/>
+          <a:lstStyle/>
+          <a:p>
+            <a:pPr algn="l" marL="342900" indent="-342900">
+              <a:lnSpc>
+                <a:spcPts val="2835"/>
+              </a:lnSpc>
+              <a:buSzPct val="100000"/>
+              <a:buChar char="•"/>
+            </a:pPr>
+            <a:r>
+              <a:rPr lang="en-US" sz="1772" dirty="0">
+                <a:solidFill>
+                  <a:srgbClr val="2C3249"/>
+                </a:solidFill>
+                <a:latin typeface="Martel Sans" pitchFamily="34" charset="0"/>
+                <a:ea typeface="Martel Sans" pitchFamily="34" charset="-122"/>
+                <a:cs typeface="Martel Sans" pitchFamily="34" charset="-120"/>
+              </a:rPr>
+              <a:t>Work-life balance challenges</a:t>
+            </a:r>
+            <a:endParaRPr lang="en-US" sz="1772" dirty="0"/>
+          </a:p>
+        </p:txBody>
+      </p:sp>
+      <p:sp>
+        <p:nvSpPr>
+          <p:cNvPr id="14" name="Text 12"/>
+          <p:cNvSpPr/>
+          <p:nvPr/>
+        </p:nvSpPr>
+        <p:spPr>
+          <a:xfrm>
+            <a:off x="7957423" y="5369243"/>
+            <a:ext cx="5892998" cy="360045"/>
+          </a:xfrm>
+          <a:prstGeom prst="rect">
+            <a:avLst/>
+          </a:prstGeom>
+          <a:noFill/>
+          <a:ln/>
+        </p:spPr>
+        <p:txBody>
+          <a:bodyPr wrap="none" rtlCol="0" anchor="t"/>
+          <a:lstStyle/>
+          <a:p>
+            <a:pPr algn="l" marL="342900" indent="-342900">
+              <a:lnSpc>
+                <a:spcPts val="2835"/>
+              </a:lnSpc>
+              <a:buSzPct val="100000"/>
+              <a:buChar char="•"/>
+            </a:pPr>
+            <a:r>
+              <a:rPr lang="en-US" sz="1772" dirty="0">
+                <a:solidFill>
+                  <a:srgbClr val="2C3249"/>
+                </a:solidFill>
+                <a:latin typeface="Martel Sans" pitchFamily="34" charset="0"/>
+                <a:ea typeface="Martel Sans" pitchFamily="34" charset="-122"/>
+                <a:cs typeface="Martel Sans" pitchFamily="34" charset="-120"/>
+              </a:rPr>
+              <a:t>Lack of career development opportunities</a:t>
+            </a:r>
             <a:endParaRPr lang="en-US" sz="1772" dirty="0"/>
           </a:p>
         </p:txBody>
       </p:sp>
       <p:pic>
         <p:nvPicPr>
-          <p:cNvPr id="8" name="Image 2" descr="preencoded.png">
-            <a:hlinkClick r:id="rId5" tooltip=""/>
+          <p:cNvPr id="15" name="Image 0" descr="preencoded.png">
+            <a:hlinkClick r:id="rId2" tooltip=""/>
           </p:cNvPr>
           <p:cNvPicPr>
             <a:picLocks noChangeAspect="1"/>
@@ -2661,7 +2970,7 @@
           <p:nvPr/>
         </p:nvPicPr>
         <p:blipFill>
-          <a:blip r:embed="rId4"/>
+          <a:blip r:embed="rId1"/>
           <a:stretch>
             <a:fillRect/>
           </a:stretch>
@@ -2730,7 +3039,7 @@
         <p:spPr>
           <a:xfrm>
             <a:off x="0" y="0"/>
-            <a:ext cx="14630400" cy="8229600"/>
+            <a:ext cx="14630400" cy="10645854"/>
           </a:xfrm>
           <a:prstGeom prst="rect">
             <a:avLst/>
@@ -2749,7 +3058,7 @@
         </p:nvSpPr>
         <p:spPr>
           <a:xfrm>
-            <a:off x="787598" y="2131695"/>
+            <a:off x="787598" y="618887"/>
             <a:ext cx="5626298" cy="703302"/>
           </a:xfrm>
           <a:prstGeom prst="rect">
@@ -2777,21 +3086,71 @@
                 <a:ea typeface="Kanit" pitchFamily="34" charset="-122"/>
                 <a:cs typeface="Kanit" pitchFamily="34" charset="-120"/>
               </a:rPr>
-              <a:t>Insight:</a:t>
+              <a:t>Dashboard:</a:t>
             </a:r>
             <a:endParaRPr lang="en-US" sz="4430" dirty="0"/>
           </a:p>
         </p:txBody>
       </p:sp>
-      <p:sp>
-        <p:nvSpPr>
-          <p:cNvPr id="5" name="Text 3"/>
-          <p:cNvSpPr/>
-          <p:nvPr/>
-        </p:nvSpPr>
-        <p:spPr>
-          <a:xfrm>
-            <a:off x="787598" y="3285053"/>
+      <p:pic>
+        <p:nvPicPr>
+          <p:cNvPr id="5" name="Image 0" descr="preencoded.png">
+            <a:hlinkClick r:id="rId2" tooltip=""/>
+          </p:cNvPr>
+          <p:cNvPicPr>
+            <a:picLocks noChangeAspect="1"/>
+          </p:cNvPicPr>
+          <p:nvPr/>
+        </p:nvPicPr>
+        <p:blipFill>
+          <a:blip r:embed="rId1"/>
+          <a:stretch>
+            <a:fillRect/>
+          </a:stretch>
+        </p:blipFill>
+        <p:spPr>
+          <a:xfrm>
+            <a:off x="787598" y="1772245"/>
+            <a:ext cx="13055203" cy="2265759"/>
+          </a:xfrm>
+          <a:prstGeom prst="rect">
+            <a:avLst/>
+          </a:prstGeom>
+        </p:spPr>
+      </p:pic>
+      <p:pic>
+        <p:nvPicPr>
+          <p:cNvPr id="6" name="Image 1" descr="preencoded.png">    </p:cNvPr>
+          <p:cNvPicPr>
+            <a:picLocks noChangeAspect="1"/>
+          </p:cNvPicPr>
+          <p:nvPr/>
+        </p:nvPicPr>
+        <p:blipFill>
+          <a:blip r:embed="rId3"/>
+          <a:stretch>
+            <a:fillRect/>
+          </a:stretch>
+        </p:blipFill>
+        <p:spPr>
+          <a:xfrm>
+            <a:off x="787598" y="4291132"/>
+            <a:ext cx="9122926" cy="5122664"/>
+          </a:xfrm>
+          <a:prstGeom prst="rect">
+            <a:avLst/>
+          </a:prstGeom>
+        </p:spPr>
+      </p:pic>
+      <p:sp>
+        <p:nvSpPr>
+          <p:cNvPr id="7" name="Text 3"/>
+          <p:cNvSpPr/>
+          <p:nvPr/>
+        </p:nvSpPr>
+        <p:spPr>
+          <a:xfrm>
+            <a:off x="787598" y="9666923"/>
             <a:ext cx="13055203" cy="360045"/>
           </a:xfrm>
           <a:prstGeom prst="rect">
@@ -2810,193 +3169,14 @@
               </a:lnSpc>
               <a:buNone/>
             </a:pPr>
-            <a:r>
-              <a:rPr lang="en-US" sz="1772" dirty="0">
-                <a:solidFill>
-                  <a:srgbClr val="2C3249"/>
-                </a:solidFill>
-                <a:latin typeface="Martel Sans" pitchFamily="34" charset="0"/>
-                <a:ea typeface="Martel Sans" pitchFamily="34" charset="-122"/>
-                <a:cs typeface="Martel Sans" pitchFamily="34" charset="-120"/>
-              </a:rPr>
-              <a:t>Most of the Attrition occured from male side.</a:t>
-            </a:r>
-            <a:endParaRPr lang="en-US" sz="1772" dirty="0"/>
-          </a:p>
-        </p:txBody>
-      </p:sp>
-      <p:sp>
-        <p:nvSpPr>
-          <p:cNvPr id="6" name="Text 4"/>
-          <p:cNvSpPr/>
-          <p:nvPr/>
-        </p:nvSpPr>
-        <p:spPr>
-          <a:xfrm>
-            <a:off x="787598" y="3898225"/>
-            <a:ext cx="13055203" cy="360045"/>
-          </a:xfrm>
-          <a:prstGeom prst="rect">
-            <a:avLst/>
-          </a:prstGeom>
-          <a:noFill/>
-          <a:ln/>
-        </p:spPr>
-        <p:txBody>
-          <a:bodyPr wrap="none" rtlCol="0" anchor="t"/>
-          <a:lstStyle/>
-          <a:p>
-            <a:pPr indent="0" marL="0">
-              <a:lnSpc>
-                <a:spcPts val="2835"/>
-              </a:lnSpc>
-              <a:buNone/>
-            </a:pPr>
-            <a:r>
-              <a:rPr lang="en-US" sz="1772" dirty="0">
-                <a:solidFill>
-                  <a:srgbClr val="2C3249"/>
-                </a:solidFill>
-                <a:latin typeface="Martel Sans" pitchFamily="34" charset="0"/>
-                <a:ea typeface="Martel Sans" pitchFamily="34" charset="-122"/>
-                <a:cs typeface="Martel Sans" pitchFamily="34" charset="-120"/>
-              </a:rPr>
-              <a:t>61% highest attrition rate from the R&amp;D department.Followed by S with 34% rate. Least from the HR department i.e. 4%.</a:t>
-            </a:r>
-            <a:endParaRPr lang="en-US" sz="1772" dirty="0"/>
-          </a:p>
-        </p:txBody>
-      </p:sp>
-      <p:sp>
-        <p:nvSpPr>
-          <p:cNvPr id="7" name="Text 5"/>
-          <p:cNvSpPr/>
-          <p:nvPr/>
-        </p:nvSpPr>
-        <p:spPr>
-          <a:xfrm>
-            <a:off x="787598" y="4511397"/>
-            <a:ext cx="13055203" cy="360045"/>
-          </a:xfrm>
-          <a:prstGeom prst="rect">
-            <a:avLst/>
-          </a:prstGeom>
-          <a:noFill/>
-          <a:ln/>
-        </p:spPr>
-        <p:txBody>
-          <a:bodyPr wrap="none" rtlCol="0" anchor="t"/>
-          <a:lstStyle/>
-          <a:p>
-            <a:pPr indent="0" marL="0">
-              <a:lnSpc>
-                <a:spcPts val="2835"/>
-              </a:lnSpc>
-              <a:buNone/>
-            </a:pPr>
-            <a:r>
-              <a:rPr lang="en-US" sz="1772" dirty="0">
-                <a:solidFill>
-                  <a:srgbClr val="2C3249"/>
-                </a:solidFill>
-                <a:latin typeface="Martel Sans" pitchFamily="34" charset="0"/>
-                <a:ea typeface="Martel Sans" pitchFamily="34" charset="-122"/>
-                <a:cs typeface="Martel Sans" pitchFamily="34" charset="-120"/>
-              </a:rPr>
-              <a:t>Most of the employee come from the age group of 34 and as a Sales Executive and Research scientist job role.</a:t>
-            </a:r>
-            <a:endParaRPr lang="en-US" sz="1772" dirty="0"/>
-          </a:p>
-        </p:txBody>
-      </p:sp>
-      <p:sp>
-        <p:nvSpPr>
-          <p:cNvPr id="8" name="Text 6"/>
-          <p:cNvSpPr/>
-          <p:nvPr/>
-        </p:nvSpPr>
-        <p:spPr>
-          <a:xfrm>
-            <a:off x="787598" y="5124569"/>
-            <a:ext cx="13055203" cy="360045"/>
-          </a:xfrm>
-          <a:prstGeom prst="rect">
-            <a:avLst/>
-          </a:prstGeom>
-          <a:noFill/>
-          <a:ln/>
-        </p:spPr>
-        <p:txBody>
-          <a:bodyPr wrap="none" rtlCol="0" anchor="t"/>
-          <a:lstStyle/>
-          <a:p>
-            <a:pPr indent="0" marL="0">
-              <a:lnSpc>
-                <a:spcPts val="2835"/>
-              </a:lnSpc>
-              <a:buNone/>
-            </a:pPr>
-            <a:r>
-              <a:rPr lang="en-US" sz="1772" dirty="0">
-                <a:solidFill>
-                  <a:srgbClr val="2C3249"/>
-                </a:solidFill>
-                <a:latin typeface="Martel Sans" pitchFamily="34" charset="0"/>
-                <a:ea typeface="Martel Sans" pitchFamily="34" charset="-122"/>
-                <a:cs typeface="Martel Sans" pitchFamily="34" charset="-120"/>
-              </a:rPr>
-              <a:t>Highest attrition count is from the Medical Education background followed by Marketing and Technical  Degree.</a:t>
-            </a:r>
-            <a:endParaRPr lang="en-US" sz="1772" dirty="0"/>
-          </a:p>
-        </p:txBody>
-      </p:sp>
-      <p:sp>
-        <p:nvSpPr>
-          <p:cNvPr id="9" name="Text 7"/>
-          <p:cNvSpPr/>
-          <p:nvPr/>
-        </p:nvSpPr>
-        <p:spPr>
-          <a:xfrm>
-            <a:off x="787598" y="5737741"/>
-            <a:ext cx="13055203" cy="360045"/>
-          </a:xfrm>
-          <a:prstGeom prst="rect">
-            <a:avLst/>
-          </a:prstGeom>
-          <a:noFill/>
-          <a:ln/>
-        </p:spPr>
-        <p:txBody>
-          <a:bodyPr wrap="none" rtlCol="0" anchor="t"/>
-          <a:lstStyle/>
-          <a:p>
-            <a:pPr indent="0" marL="0">
-              <a:lnSpc>
-                <a:spcPts val="2835"/>
-              </a:lnSpc>
-              <a:buNone/>
-            </a:pPr>
-            <a:r>
-              <a:rPr lang="en-US" sz="1772" dirty="0">
-                <a:solidFill>
-                  <a:srgbClr val="2C3249"/>
-                </a:solidFill>
-                <a:latin typeface="Martel Sans" pitchFamily="34" charset="0"/>
-                <a:ea typeface="Martel Sans" pitchFamily="34" charset="-122"/>
-                <a:cs typeface="Martel Sans" pitchFamily="34" charset="-120"/>
-              </a:rPr>
-              <a:t>After analysing the marital stauts, high Attrition count amongst all three category is  from male and mostly are single.</a:t>
-            </a:r>
             <a:endParaRPr lang="en-US" sz="1772" dirty="0"/>
           </a:p>
         </p:txBody>
       </p:sp>
       <p:pic>
         <p:nvPicPr>
-          <p:cNvPr id="10" name="Image 0" descr="preencoded.png">
-            <a:hlinkClick r:id="rId2" tooltip=""/>
+          <p:cNvPr id="8" name="Image 2" descr="preencoded.png">
+            <a:hlinkClick r:id="rId5" tooltip=""/>
           </p:cNvPr>
           <p:cNvPicPr>
             <a:picLocks noChangeAspect="1"/>
@@ -3004,7 +3184,7 @@
           <p:nvPr/>
         </p:nvPicPr>
         <p:blipFill>
-          <a:blip r:embed="rId1"/>
+          <a:blip r:embed="rId4"/>
           <a:stretch>
             <a:fillRect/>
           </a:stretch>
@@ -3084,63 +3264,15 @@
           <a:ln/>
         </p:spPr>
       </p:sp>
-      <p:pic>
-        <p:nvPicPr>
-          <p:cNvPr id="4" name="Image 0" descr="preencoded.png">    </p:cNvPr>
-          <p:cNvPicPr>
-            <a:picLocks noChangeAspect="1"/>
-          </p:cNvPicPr>
-          <p:nvPr/>
-        </p:nvPicPr>
-        <p:blipFill>
-          <a:blip r:embed="rId1"/>
-          <a:stretch>
-            <a:fillRect/>
-          </a:stretch>
-        </p:blipFill>
-        <p:spPr>
-          <a:xfrm>
-            <a:off x="9144000" y="0"/>
-            <a:ext cx="5486400" cy="8229600"/>
-          </a:xfrm>
-          <a:prstGeom prst="rect">
-            <a:avLst/>
-          </a:prstGeom>
-        </p:spPr>
-      </p:pic>
-      <p:pic>
-        <p:nvPicPr>
-          <p:cNvPr id="5" name="Image 1" descr="preencoded.png">    </p:cNvPr>
-          <p:cNvPicPr>
-            <a:picLocks noChangeAspect="1"/>
-          </p:cNvPicPr>
-          <p:nvPr/>
-        </p:nvPicPr>
-        <p:blipFill>
-          <a:blip r:embed="rId2"/>
-          <a:stretch>
-            <a:fillRect/>
-          </a:stretch>
-        </p:blipFill>
-        <p:spPr>
-          <a:xfrm>
-            <a:off x="9425226" y="1893213"/>
-            <a:ext cx="4923830" cy="4443055"/>
-          </a:xfrm>
-          <a:prstGeom prst="rect">
-            <a:avLst/>
-          </a:prstGeom>
-        </p:spPr>
-      </p:pic>
-      <p:sp>
-        <p:nvSpPr>
-          <p:cNvPr id="6" name="Text 2"/>
-          <p:cNvSpPr/>
-          <p:nvPr/>
-        </p:nvSpPr>
-        <p:spPr>
-          <a:xfrm>
-            <a:off x="787598" y="785574"/>
+      <p:sp>
+        <p:nvSpPr>
+          <p:cNvPr id="4" name="Text 2"/>
+          <p:cNvSpPr/>
+          <p:nvPr/>
+        </p:nvSpPr>
+        <p:spPr>
+          <a:xfrm>
+            <a:off x="787598" y="2131695"/>
             <a:ext cx="5626298" cy="703302"/>
           </a:xfrm>
           <a:prstGeom prst="rect">
@@ -3168,46 +3300,22 @@
                 <a:ea typeface="Kanit" pitchFamily="34" charset="-122"/>
                 <a:cs typeface="Kanit" pitchFamily="34" charset="-120"/>
               </a:rPr>
-              <a:t>Root Cause Analysis</a:t>
+              <a:t>Insight:</a:t>
             </a:r>
             <a:endParaRPr lang="en-US" sz="4430" dirty="0"/>
           </a:p>
         </p:txBody>
       </p:sp>
-      <p:pic>
-        <p:nvPicPr>
-          <p:cNvPr id="7" name="Image 2" descr="preencoded.png">    </p:cNvPr>
-          <p:cNvPicPr>
-            <a:picLocks noChangeAspect="1"/>
-          </p:cNvPicPr>
-          <p:nvPr/>
-        </p:nvPicPr>
-        <p:blipFill>
-          <a:blip r:embed="rId3"/>
-          <a:stretch>
-            <a:fillRect/>
-          </a:stretch>
-        </p:blipFill>
-        <p:spPr>
-          <a:xfrm>
-            <a:off x="787598" y="1826419"/>
-            <a:ext cx="1125260" cy="2016800"/>
-          </a:xfrm>
-          <a:prstGeom prst="rect">
-            <a:avLst/>
-          </a:prstGeom>
-        </p:spPr>
-      </p:pic>
-      <p:sp>
-        <p:nvSpPr>
-          <p:cNvPr id="8" name="Text 3"/>
-          <p:cNvSpPr/>
-          <p:nvPr/>
-        </p:nvSpPr>
-        <p:spPr>
-          <a:xfrm>
-            <a:off x="2250400" y="2051447"/>
-            <a:ext cx="3431024" cy="351592"/>
+      <p:sp>
+        <p:nvSpPr>
+          <p:cNvPr id="5" name="Text 3"/>
+          <p:cNvSpPr/>
+          <p:nvPr/>
+        </p:nvSpPr>
+        <p:spPr>
+          <a:xfrm>
+            <a:off x="787598" y="3285053"/>
+            <a:ext cx="13055203" cy="360045"/>
           </a:xfrm>
           <a:prstGeom prst="rect">
             <a:avLst/>
@@ -3219,49 +3327,7 @@
           <a:bodyPr wrap="none" rtlCol="0" anchor="t"/>
           <a:lstStyle/>
           <a:p>
-            <a:pPr algn="l" indent="0" marL="0">
-              <a:lnSpc>
-                <a:spcPts val="2769"/>
-              </a:lnSpc>
-              <a:buNone/>
-            </a:pPr>
-            <a:r>
-              <a:rPr lang="en-US" sz="2215" dirty="0">
-                <a:solidFill>
-                  <a:srgbClr val="2C3249"/>
-                </a:solidFill>
-                <a:latin typeface="Kanit" pitchFamily="34" charset="0"/>
-                <a:ea typeface="Kanit" pitchFamily="34" charset="-122"/>
-                <a:cs typeface="Kanit" pitchFamily="34" charset="-120"/>
-              </a:rPr>
-              <a:t>Compensation and Benefits</a:t>
-            </a:r>
-            <a:endParaRPr lang="en-US" sz="2215" dirty="0"/>
-          </a:p>
-        </p:txBody>
-      </p:sp>
-      <p:sp>
-        <p:nvSpPr>
-          <p:cNvPr id="9" name="Text 4"/>
-          <p:cNvSpPr/>
-          <p:nvPr/>
-        </p:nvSpPr>
-        <p:spPr>
-          <a:xfrm>
-            <a:off x="2250400" y="2538055"/>
-            <a:ext cx="6106001" cy="1080135"/>
-          </a:xfrm>
-          <a:prstGeom prst="rect">
-            <a:avLst/>
-          </a:prstGeom>
-          <a:noFill/>
-          <a:ln/>
-        </p:spPr>
-        <p:txBody>
-          <a:bodyPr wrap="square" rtlCol="0" anchor="t"/>
-          <a:lstStyle/>
-          <a:p>
-            <a:pPr algn="l" indent="0" marL="0">
+            <a:pPr indent="0" marL="0">
               <a:lnSpc>
                 <a:spcPts val="2835"/>
               </a:lnSpc>
@@ -3276,46 +3342,22 @@
                 <a:ea typeface="Martel Sans" pitchFamily="34" charset="-122"/>
                 <a:cs typeface="Martel Sans" pitchFamily="34" charset="-120"/>
               </a:rPr>
-              <a:t>Assess whether the organization's compensation and benefits package is competitive and aligned with industry standards.</a:t>
+              <a:t>Most of the Attrition occured from male side.</a:t>
             </a:r>
             <a:endParaRPr lang="en-US" sz="1772" dirty="0"/>
           </a:p>
         </p:txBody>
       </p:sp>
-      <p:pic>
-        <p:nvPicPr>
-          <p:cNvPr id="10" name="Image 3" descr="preencoded.png">    </p:cNvPr>
-          <p:cNvPicPr>
-            <a:picLocks noChangeAspect="1"/>
-          </p:cNvPicPr>
-          <p:nvPr/>
-        </p:nvPicPr>
-        <p:blipFill>
-          <a:blip r:embed="rId4"/>
-          <a:stretch>
-            <a:fillRect/>
-          </a:stretch>
-        </p:blipFill>
-        <p:spPr>
-          <a:xfrm>
-            <a:off x="787598" y="3843218"/>
-            <a:ext cx="1125260" cy="1800344"/>
-          </a:xfrm>
-          <a:prstGeom prst="rect">
-            <a:avLst/>
-          </a:prstGeom>
-        </p:spPr>
-      </p:pic>
-      <p:sp>
-        <p:nvSpPr>
-          <p:cNvPr id="11" name="Text 5"/>
-          <p:cNvSpPr/>
-          <p:nvPr/>
-        </p:nvSpPr>
-        <p:spPr>
-          <a:xfrm>
-            <a:off x="2250400" y="4068247"/>
-            <a:ext cx="3577233" cy="351592"/>
+      <p:sp>
+        <p:nvSpPr>
+          <p:cNvPr id="6" name="Text 4"/>
+          <p:cNvSpPr/>
+          <p:nvPr/>
+        </p:nvSpPr>
+        <p:spPr>
+          <a:xfrm>
+            <a:off x="787598" y="3898225"/>
+            <a:ext cx="13055203" cy="360045"/>
           </a:xfrm>
           <a:prstGeom prst="rect">
             <a:avLst/>
@@ -3327,49 +3369,7 @@
           <a:bodyPr wrap="none" rtlCol="0" anchor="t"/>
           <a:lstStyle/>
           <a:p>
-            <a:pPr algn="l" indent="0" marL="0">
-              <a:lnSpc>
-                <a:spcPts val="2769"/>
-              </a:lnSpc>
-              <a:buNone/>
-            </a:pPr>
-            <a:r>
-              <a:rPr lang="en-US" sz="2215" dirty="0">
-                <a:solidFill>
-                  <a:srgbClr val="2C3249"/>
-                </a:solidFill>
-                <a:latin typeface="Kanit" pitchFamily="34" charset="0"/>
-                <a:ea typeface="Kanit" pitchFamily="34" charset="-122"/>
-                <a:cs typeface="Kanit" pitchFamily="34" charset="-120"/>
-              </a:rPr>
-              <a:t>Management and Leadership</a:t>
-            </a:r>
-            <a:endParaRPr lang="en-US" sz="2215" dirty="0"/>
-          </a:p>
-        </p:txBody>
-      </p:sp>
-      <p:sp>
-        <p:nvSpPr>
-          <p:cNvPr id="12" name="Text 6"/>
-          <p:cNvSpPr/>
-          <p:nvPr/>
-        </p:nvSpPr>
-        <p:spPr>
-          <a:xfrm>
-            <a:off x="2250400" y="4554855"/>
-            <a:ext cx="6106001" cy="720090"/>
-          </a:xfrm>
-          <a:prstGeom prst="rect">
-            <a:avLst/>
-          </a:prstGeom>
-          <a:noFill/>
-          <a:ln/>
-        </p:spPr>
-        <p:txBody>
-          <a:bodyPr wrap="square" rtlCol="0" anchor="t"/>
-          <a:lstStyle/>
-          <a:p>
-            <a:pPr algn="l" indent="0" marL="0">
+            <a:pPr indent="0" marL="0">
               <a:lnSpc>
                 <a:spcPts val="2835"/>
               </a:lnSpc>
@@ -3384,46 +3384,22 @@
                 <a:ea typeface="Martel Sans" pitchFamily="34" charset="-122"/>
                 <a:cs typeface="Martel Sans" pitchFamily="34" charset="-120"/>
               </a:rPr>
-              <a:t>Evaluate the effectiveness of managerial practices, communication, and support provided to employees.</a:t>
+              <a:t>61% highest attrition rate from the R&amp;D department.Followed by S with 34% rate. Least from the HR department i.e. 4%.</a:t>
             </a:r>
             <a:endParaRPr lang="en-US" sz="1772" dirty="0"/>
           </a:p>
         </p:txBody>
       </p:sp>
-      <p:pic>
-        <p:nvPicPr>
-          <p:cNvPr id="13" name="Image 4" descr="preencoded.png">    </p:cNvPr>
-          <p:cNvPicPr>
-            <a:picLocks noChangeAspect="1"/>
-          </p:cNvPicPr>
-          <p:nvPr/>
-        </p:nvPicPr>
-        <p:blipFill>
-          <a:blip r:embed="rId5"/>
-          <a:stretch>
-            <a:fillRect/>
-          </a:stretch>
-        </p:blipFill>
-        <p:spPr>
-          <a:xfrm>
-            <a:off x="787598" y="5643563"/>
-            <a:ext cx="1125260" cy="1800344"/>
-          </a:xfrm>
-          <a:prstGeom prst="rect">
-            <a:avLst/>
-          </a:prstGeom>
-        </p:spPr>
-      </p:pic>
-      <p:sp>
-        <p:nvSpPr>
-          <p:cNvPr id="14" name="Text 7"/>
-          <p:cNvSpPr/>
-          <p:nvPr/>
-        </p:nvSpPr>
-        <p:spPr>
-          <a:xfrm>
-            <a:off x="2250400" y="5868591"/>
-            <a:ext cx="3533418" cy="351592"/>
+      <p:sp>
+        <p:nvSpPr>
+          <p:cNvPr id="7" name="Text 5"/>
+          <p:cNvSpPr/>
+          <p:nvPr/>
+        </p:nvSpPr>
+        <p:spPr>
+          <a:xfrm>
+            <a:off x="787598" y="4511397"/>
+            <a:ext cx="13055203" cy="360045"/>
           </a:xfrm>
           <a:prstGeom prst="rect">
             <a:avLst/>
@@ -3435,49 +3411,7 @@
           <a:bodyPr wrap="none" rtlCol="0" anchor="t"/>
           <a:lstStyle/>
           <a:p>
-            <a:pPr algn="l" indent="0" marL="0">
-              <a:lnSpc>
-                <a:spcPts val="2769"/>
-              </a:lnSpc>
-              <a:buNone/>
-            </a:pPr>
-            <a:r>
-              <a:rPr lang="en-US" sz="2215" dirty="0">
-                <a:solidFill>
-                  <a:srgbClr val="2C3249"/>
-                </a:solidFill>
-                <a:latin typeface="Kanit" pitchFamily="34" charset="0"/>
-                <a:ea typeface="Kanit" pitchFamily="34" charset="-122"/>
-                <a:cs typeface="Kanit" pitchFamily="34" charset="-120"/>
-              </a:rPr>
-              <a:t>Career Growth Opportunities</a:t>
-            </a:r>
-            <a:endParaRPr lang="en-US" sz="2215" dirty="0"/>
-          </a:p>
-        </p:txBody>
-      </p:sp>
-      <p:sp>
-        <p:nvSpPr>
-          <p:cNvPr id="15" name="Text 8"/>
-          <p:cNvSpPr/>
-          <p:nvPr/>
-        </p:nvSpPr>
-        <p:spPr>
-          <a:xfrm>
-            <a:off x="2250400" y="6355199"/>
-            <a:ext cx="6106001" cy="720090"/>
-          </a:xfrm>
-          <a:prstGeom prst="rect">
-            <a:avLst/>
-          </a:prstGeom>
-          <a:noFill/>
-          <a:ln/>
-        </p:spPr>
-        <p:txBody>
-          <a:bodyPr wrap="square" rtlCol="0" anchor="t"/>
-          <a:lstStyle/>
-          <a:p>
-            <a:pPr algn="l" indent="0" marL="0">
+            <a:pPr indent="0" marL="0">
               <a:lnSpc>
                 <a:spcPts val="2835"/>
               </a:lnSpc>
@@ -3492,7 +3426,91 @@
                 <a:ea typeface="Martel Sans" pitchFamily="34" charset="-122"/>
                 <a:cs typeface="Martel Sans" pitchFamily="34" charset="-120"/>
               </a:rPr>
-              <a:t>Identify the gaps in professional development, training, and advancement opportunities within the organization.</a:t>
+              <a:t>Most of the employee come from the age group of 34 and as a Sales Executive and Research scientist job role.</a:t>
+            </a:r>
+            <a:endParaRPr lang="en-US" sz="1772" dirty="0"/>
+          </a:p>
+        </p:txBody>
+      </p:sp>
+      <p:sp>
+        <p:nvSpPr>
+          <p:cNvPr id="8" name="Text 6"/>
+          <p:cNvSpPr/>
+          <p:nvPr/>
+        </p:nvSpPr>
+        <p:spPr>
+          <a:xfrm>
+            <a:off x="787598" y="5124569"/>
+            <a:ext cx="13055203" cy="360045"/>
+          </a:xfrm>
+          <a:prstGeom prst="rect">
+            <a:avLst/>
+          </a:prstGeom>
+          <a:noFill/>
+          <a:ln/>
+        </p:spPr>
+        <p:txBody>
+          <a:bodyPr wrap="none" rtlCol="0" anchor="t"/>
+          <a:lstStyle/>
+          <a:p>
+            <a:pPr indent="0" marL="0">
+              <a:lnSpc>
+                <a:spcPts val="2835"/>
+              </a:lnSpc>
+              <a:buNone/>
+            </a:pPr>
+            <a:r>
+              <a:rPr lang="en-US" sz="1772" dirty="0">
+                <a:solidFill>
+                  <a:srgbClr val="2C3249"/>
+                </a:solidFill>
+                <a:latin typeface="Martel Sans" pitchFamily="34" charset="0"/>
+                <a:ea typeface="Martel Sans" pitchFamily="34" charset="-122"/>
+                <a:cs typeface="Martel Sans" pitchFamily="34" charset="-120"/>
+              </a:rPr>
+              <a:t>Highest attrition count is from the Medical Education background followed by Marketing and Technical  Degree.</a:t>
+            </a:r>
+            <a:endParaRPr lang="en-US" sz="1772" dirty="0"/>
+          </a:p>
+        </p:txBody>
+      </p:sp>
+      <p:sp>
+        <p:nvSpPr>
+          <p:cNvPr id="9" name="Text 7"/>
+          <p:cNvSpPr/>
+          <p:nvPr/>
+        </p:nvSpPr>
+        <p:spPr>
+          <a:xfrm>
+            <a:off x="787598" y="5737741"/>
+            <a:ext cx="13055203" cy="360045"/>
+          </a:xfrm>
+          <a:prstGeom prst="rect">
+            <a:avLst/>
+          </a:prstGeom>
+          <a:noFill/>
+          <a:ln/>
+        </p:spPr>
+        <p:txBody>
+          <a:bodyPr wrap="none" rtlCol="0" anchor="t"/>
+          <a:lstStyle/>
+          <a:p>
+            <a:pPr indent="0" marL="0">
+              <a:lnSpc>
+                <a:spcPts val="2835"/>
+              </a:lnSpc>
+              <a:buNone/>
+            </a:pPr>
+            <a:r>
+              <a:rPr lang="en-US" sz="1772" dirty="0">
+                <a:solidFill>
+                  <a:srgbClr val="2C3249"/>
+                </a:solidFill>
+                <a:latin typeface="Martel Sans" pitchFamily="34" charset="0"/>
+                <a:ea typeface="Martel Sans" pitchFamily="34" charset="-122"/>
+                <a:cs typeface="Martel Sans" pitchFamily="34" charset="-120"/>
+              </a:rPr>
+              <a:t>After analysing the marital stauts, high Attrition count amongst all three category is  from male and mostly are single.</a:t>
             </a:r>
             <a:endParaRPr lang="en-US" sz="1772" dirty="0"/>
           </a:p>
@@ -3500,8 +3518,8 @@
       </p:sp>
       <p:pic>
         <p:nvPicPr>
-          <p:cNvPr id="16" name="Image 5" descr="preencoded.png">
-            <a:hlinkClick r:id="rId7" tooltip=""/>
+          <p:cNvPr id="10" name="Image 0" descr="preencoded.png">
+            <a:hlinkClick r:id="rId2" tooltip=""/>
           </p:cNvPr>
           <p:cNvPicPr>
             <a:picLocks noChangeAspect="1"/>
@@ -3509,7 +3527,7 @@
           <p:nvPr/>
         </p:nvPicPr>
         <p:blipFill>
-          <a:blip r:embed="rId6"/>
+          <a:blip r:embed="rId1"/>
           <a:stretch>
             <a:fillRect/>
           </a:stretch>
@@ -3578,7 +3596,7 @@
         <p:spPr>
           <a:xfrm>
             <a:off x="0" y="0"/>
-            <a:ext cx="14630400" cy="8382476"/>
+            <a:ext cx="14630400" cy="8229600"/>
           </a:xfrm>
           <a:prstGeom prst="rect">
             <a:avLst/>
@@ -3606,7 +3624,7 @@
         <p:spPr>
           <a:xfrm>
             <a:off x="9144000" y="0"/>
-            <a:ext cx="5486400" cy="8382476"/>
+            <a:ext cx="5486400" cy="8229600"/>
           </a:xfrm>
           <a:prstGeom prst="rect">
             <a:avLst/>
@@ -3629,8 +3647,8 @@
         </p:blipFill>
         <p:spPr>
           <a:xfrm>
-            <a:off x="9425345" y="2806422"/>
-            <a:ext cx="4923711" cy="2769632"/>
+            <a:off x="9425226" y="1893213"/>
+            <a:ext cx="4923830" cy="4443055"/>
           </a:xfrm>
           <a:prstGeom prst="rect">
             <a:avLst/>
@@ -3645,7 +3663,7 @@
         </p:nvSpPr>
         <p:spPr>
           <a:xfrm>
-            <a:off x="787598" y="618887"/>
+            <a:off x="787598" y="785574"/>
             <a:ext cx="5626298" cy="703302"/>
           </a:xfrm>
           <a:prstGeom prst="rect">
@@ -3673,7 +3691,7 @@
                 <a:ea typeface="Kanit" pitchFamily="34" charset="-122"/>
                 <a:cs typeface="Kanit" pitchFamily="34" charset="-120"/>
               </a:rPr>
-              <a:t>Recommendations</a:t>
+              <a:t>Root Cause Analysis</a:t>
             </a:r>
             <a:endParaRPr lang="en-US" sz="4430" dirty="0"/>
           </a:p>
@@ -3695,8 +3713,8 @@
         </p:blipFill>
         <p:spPr>
           <a:xfrm>
-            <a:off x="787598" y="1659731"/>
-            <a:ext cx="562570" cy="562570"/>
+            <a:off x="787598" y="1826419"/>
+            <a:ext cx="1125260" cy="2016800"/>
           </a:xfrm>
           <a:prstGeom prst="rect">
             <a:avLst/>
@@ -3711,8 +3729,8 @@
         </p:nvSpPr>
         <p:spPr>
           <a:xfrm>
-            <a:off x="787598" y="2447330"/>
-            <a:ext cx="2813090" cy="351592"/>
+            <a:off x="2250400" y="2051447"/>
+            <a:ext cx="3431024" cy="351592"/>
           </a:xfrm>
           <a:prstGeom prst="rect">
             <a:avLst/>
@@ -3739,7 +3757,7 @@
                 <a:ea typeface="Kanit" pitchFamily="34" charset="-122"/>
                 <a:cs typeface="Kanit" pitchFamily="34" charset="-120"/>
               </a:rPr>
-              <a:t>Targeted Recruitment</a:t>
+              <a:t>Compensation and Benefits</a:t>
             </a:r>
             <a:endParaRPr lang="en-US" sz="2215" dirty="0"/>
           </a:p>
@@ -3753,8 +3771,8 @@
         </p:nvSpPr>
         <p:spPr>
           <a:xfrm>
-            <a:off x="787598" y="2933938"/>
-            <a:ext cx="3615571" cy="1440180"/>
+            <a:off x="2250400" y="2538055"/>
+            <a:ext cx="6106001" cy="1080135"/>
           </a:xfrm>
           <a:prstGeom prst="rect">
             <a:avLst/>
@@ -3781,7 +3799,7 @@
                 <a:ea typeface="Martel Sans" pitchFamily="34" charset="-122"/>
                 <a:cs typeface="Martel Sans" pitchFamily="34" charset="-120"/>
               </a:rPr>
-              <a:t>Enhance the recruitment process to attract and retain top talent with the right skills and cultural fit.</a:t>
+              <a:t>Assess whether the organization's compensation and benefits package is competitive and aligned with industry standards.</a:t>
             </a:r>
             <a:endParaRPr lang="en-US" sz="1772" dirty="0"/>
           </a:p>
@@ -3803,8 +3821,8 @@
         </p:blipFill>
         <p:spPr>
           <a:xfrm>
-            <a:off x="4740712" y="1659731"/>
-            <a:ext cx="562570" cy="562570"/>
+            <a:off x="787598" y="3843218"/>
+            <a:ext cx="1125260" cy="1800344"/>
           </a:xfrm>
           <a:prstGeom prst="rect">
             <a:avLst/>
@@ -3819,8 +3837,8 @@
         </p:nvSpPr>
         <p:spPr>
           <a:xfrm>
-            <a:off x="4740712" y="2447330"/>
-            <a:ext cx="2813090" cy="351592"/>
+            <a:off x="2250400" y="4068247"/>
+            <a:ext cx="3577233" cy="351592"/>
           </a:xfrm>
           <a:prstGeom prst="rect">
             <a:avLst/>
@@ -3847,7 +3865,7 @@
                 <a:ea typeface="Kanit" pitchFamily="34" charset="-122"/>
                 <a:cs typeface="Kanit" pitchFamily="34" charset="-120"/>
               </a:rPr>
-              <a:t>Talent Development</a:t>
+              <a:t>Management and Leadership</a:t>
             </a:r>
             <a:endParaRPr lang="en-US" sz="2215" dirty="0"/>
           </a:p>
@@ -3861,8 +3879,8 @@
         </p:nvSpPr>
         <p:spPr>
           <a:xfrm>
-            <a:off x="4740712" y="2933938"/>
-            <a:ext cx="3615690" cy="1440180"/>
+            <a:off x="2250400" y="4554855"/>
+            <a:ext cx="6106001" cy="720090"/>
           </a:xfrm>
           <a:prstGeom prst="rect">
             <a:avLst/>
@@ -3889,7 +3907,7 @@
                 <a:ea typeface="Martel Sans" pitchFamily="34" charset="-122"/>
                 <a:cs typeface="Martel Sans" pitchFamily="34" charset="-120"/>
               </a:rPr>
-              <a:t>Invest in comprehensive training, mentorship, and career progression opportunities to upskill and retain employees.</a:t>
+              <a:t>Evaluate the effectiveness of managerial practices, communication, and support provided to employees.</a:t>
             </a:r>
             <a:endParaRPr lang="en-US" sz="1772" dirty="0"/>
           </a:p>
@@ -3911,8 +3929,8 @@
         </p:blipFill>
         <p:spPr>
           <a:xfrm>
-            <a:off x="787598" y="5049203"/>
-            <a:ext cx="562570" cy="562570"/>
+            <a:off x="787598" y="5643563"/>
+            <a:ext cx="1125260" cy="1800344"/>
           </a:xfrm>
           <a:prstGeom prst="rect">
             <a:avLst/>
@@ -3927,8 +3945,8 @@
         </p:nvSpPr>
         <p:spPr>
           <a:xfrm>
-            <a:off x="787598" y="5836801"/>
-            <a:ext cx="2848928" cy="351592"/>
+            <a:off x="2250400" y="5868591"/>
+            <a:ext cx="3533418" cy="351592"/>
           </a:xfrm>
           <a:prstGeom prst="rect">
             <a:avLst/>
@@ -3955,7 +3973,7 @@
                 <a:ea typeface="Kanit" pitchFamily="34" charset="-122"/>
                 <a:cs typeface="Kanit" pitchFamily="34" charset="-120"/>
               </a:rPr>
-              <a:t>Employee Engagement</a:t>
+              <a:t>Career Growth Opportunities</a:t>
             </a:r>
             <a:endParaRPr lang="en-US" sz="2215" dirty="0"/>
           </a:p>
@@ -3969,8 +3987,8 @@
         </p:nvSpPr>
         <p:spPr>
           <a:xfrm>
-            <a:off x="787598" y="6323409"/>
-            <a:ext cx="3615571" cy="1440180"/>
+            <a:off x="2250400" y="6355199"/>
+            <a:ext cx="6106001" cy="720090"/>
           </a:xfrm>
           <a:prstGeom prst="rect">
             <a:avLst/>
@@ -3997,7 +4015,7 @@
                 <a:ea typeface="Martel Sans" pitchFamily="34" charset="-122"/>
                 <a:cs typeface="Martel Sans" pitchFamily="34" charset="-120"/>
               </a:rPr>
-              <a:t>Implement initiatives to foster a positive work environment, boost morale, and increase job satisfaction.</a:t>
+              <a:t>Identify the gaps in professional development, training, and advancement opportunities within the organization.</a:t>
             </a:r>
             <a:endParaRPr lang="en-US" sz="1772" dirty="0"/>
           </a:p>
@@ -4005,116 +4023,8 @@
       </p:sp>
       <p:pic>
         <p:nvPicPr>
-          <p:cNvPr id="16" name="Image 5" descr="preencoded.png">    </p:cNvPr>
-          <p:cNvPicPr>
-            <a:picLocks noChangeAspect="1"/>
-          </p:cNvPicPr>
-          <p:nvPr/>
-        </p:nvPicPr>
-        <p:blipFill>
-          <a:blip r:embed="rId6"/>
-          <a:stretch>
-            <a:fillRect/>
-          </a:stretch>
-        </p:blipFill>
-        <p:spPr>
-          <a:xfrm>
-            <a:off x="4740712" y="5049203"/>
-            <a:ext cx="562570" cy="562570"/>
-          </a:xfrm>
-          <a:prstGeom prst="rect">
-            <a:avLst/>
-          </a:prstGeom>
-        </p:spPr>
-      </p:pic>
-      <p:sp>
-        <p:nvSpPr>
-          <p:cNvPr id="17" name="Text 9"/>
-          <p:cNvSpPr/>
-          <p:nvPr/>
-        </p:nvSpPr>
-        <p:spPr>
-          <a:xfrm>
-            <a:off x="4740712" y="5836801"/>
-            <a:ext cx="2813090" cy="351592"/>
-          </a:xfrm>
-          <a:prstGeom prst="rect">
-            <a:avLst/>
-          </a:prstGeom>
-          <a:noFill/>
-          <a:ln/>
-        </p:spPr>
-        <p:txBody>
-          <a:bodyPr wrap="none" rtlCol="0" anchor="t"/>
-          <a:lstStyle/>
-          <a:p>
-            <a:pPr algn="l" indent="0" marL="0">
-              <a:lnSpc>
-                <a:spcPts val="2769"/>
-              </a:lnSpc>
-              <a:buNone/>
-            </a:pPr>
-            <a:r>
-              <a:rPr lang="en-US" sz="2215" dirty="0">
-                <a:solidFill>
-                  <a:srgbClr val="2C3249"/>
-                </a:solidFill>
-                <a:latin typeface="Kanit" pitchFamily="34" charset="0"/>
-                <a:ea typeface="Kanit" pitchFamily="34" charset="-122"/>
-                <a:cs typeface="Kanit" pitchFamily="34" charset="-120"/>
-              </a:rPr>
-              <a:t>Compensation Review</a:t>
-            </a:r>
-            <a:endParaRPr lang="en-US" sz="2215" dirty="0"/>
-          </a:p>
-        </p:txBody>
-      </p:sp>
-      <p:sp>
-        <p:nvSpPr>
-          <p:cNvPr id="18" name="Text 10"/>
-          <p:cNvSpPr/>
-          <p:nvPr/>
-        </p:nvSpPr>
-        <p:spPr>
-          <a:xfrm>
-            <a:off x="4740712" y="6323409"/>
-            <a:ext cx="3615690" cy="1440180"/>
-          </a:xfrm>
-          <a:prstGeom prst="rect">
-            <a:avLst/>
-          </a:prstGeom>
-          <a:noFill/>
-          <a:ln/>
-        </p:spPr>
-        <p:txBody>
-          <a:bodyPr wrap="square" rtlCol="0" anchor="t"/>
-          <a:lstStyle/>
-          <a:p>
-            <a:pPr algn="l" indent="0" marL="0">
-              <a:lnSpc>
-                <a:spcPts val="2835"/>
-              </a:lnSpc>
-              <a:buNone/>
-            </a:pPr>
-            <a:r>
-              <a:rPr lang="en-US" sz="1772" dirty="0">
-                <a:solidFill>
-                  <a:srgbClr val="2C3249"/>
-                </a:solidFill>
-                <a:latin typeface="Martel Sans" pitchFamily="34" charset="0"/>
-                <a:ea typeface="Martel Sans" pitchFamily="34" charset="-122"/>
-                <a:cs typeface="Martel Sans" pitchFamily="34" charset="-120"/>
-              </a:rPr>
-              <a:t>Evaluate and adjust the organization's compensation and benefits package to remain competitive in the market.</a:t>
-            </a:r>
-            <a:endParaRPr lang="en-US" sz="1772" dirty="0"/>
-          </a:p>
-        </p:txBody>
-      </p:sp>
-      <p:pic>
-        <p:nvPicPr>
-          <p:cNvPr id="19" name="Image 6" descr="preencoded.png">
-            <a:hlinkClick r:id="rId8" tooltip=""/>
+          <p:cNvPr id="16" name="Image 5" descr="preencoded.png">
+            <a:hlinkClick r:id="rId7" tooltip=""/>
           </p:cNvPr>
           <p:cNvPicPr>
             <a:picLocks noChangeAspect="1"/>
@@ -4122,7 +4032,7 @@
           <p:nvPr/>
         </p:nvPicPr>
         <p:blipFill>
-          <a:blip r:embed="rId7"/>
+          <a:blip r:embed="rId6"/>
           <a:stretch>
             <a:fillRect/>
           </a:stretch>
@@ -4148,6 +4058,619 @@
 <file path=ppt/slides/slide8.xml><?xml version="1.0" encoding="utf-8"?>
 <p:sld xmlns:a="http://schemas.openxmlformats.org/drawingml/2006/main" xmlns:r="http://schemas.openxmlformats.org/officeDocument/2006/relationships" xmlns:p="http://schemas.openxmlformats.org/presentationml/2006/main">
   <p:cSld name="Slide 8">
+    <p:spTree>
+      <p:nvGrpSpPr>
+        <p:cNvPr id="1" name=""/>
+        <p:cNvGrpSpPr/>
+        <p:nvPr/>
+      </p:nvGrpSpPr>
+      <p:grpSpPr>
+        <a:xfrm>
+          <a:off x="0" y="0"/>
+          <a:ext cx="0" cy="0"/>
+          <a:chOff x="0" y="0"/>
+          <a:chExt cx="0" cy="0"/>
+        </a:xfrm>
+      </p:grpSpPr>
+      <p:sp>
+        <p:nvSpPr>
+          <p:cNvPr id="2" name="Shape 0"/>
+          <p:cNvSpPr/>
+          <p:nvPr/>
+        </p:nvSpPr>
+        <p:spPr>
+          <a:xfrm>
+            <a:off x="0" y="0"/>
+            <a:ext cx="14630400" cy="8229600"/>
+          </a:xfrm>
+          <a:prstGeom prst="rect">
+            <a:avLst/>
+          </a:prstGeom>
+          <a:solidFill>
+            <a:srgbClr val="EBF4F3"/>
+          </a:solidFill>
+          <a:ln/>
+        </p:spPr>
+      </p:sp>
+      <p:sp>
+        <p:nvSpPr>
+          <p:cNvPr id="3" name="Shape 1"/>
+          <p:cNvSpPr/>
+          <p:nvPr/>
+        </p:nvSpPr>
+        <p:spPr>
+          <a:xfrm>
+            <a:off x="0" y="0"/>
+            <a:ext cx="14630400" cy="8382476"/>
+          </a:xfrm>
+          <a:prstGeom prst="rect">
+            <a:avLst/>
+          </a:prstGeom>
+          <a:solidFill>
+            <a:srgbClr val="FFFFFF"/>
+          </a:solidFill>
+          <a:ln/>
+        </p:spPr>
+      </p:sp>
+      <p:pic>
+        <p:nvPicPr>
+          <p:cNvPr id="4" name="Image 0" descr="preencoded.png">    </p:cNvPr>
+          <p:cNvPicPr>
+            <a:picLocks noChangeAspect="1"/>
+          </p:cNvPicPr>
+          <p:nvPr/>
+        </p:nvPicPr>
+        <p:blipFill>
+          <a:blip r:embed="rId1"/>
+          <a:stretch>
+            <a:fillRect/>
+          </a:stretch>
+        </p:blipFill>
+        <p:spPr>
+          <a:xfrm>
+            <a:off x="9144000" y="0"/>
+            <a:ext cx="5486400" cy="8382476"/>
+          </a:xfrm>
+          <a:prstGeom prst="rect">
+            <a:avLst/>
+          </a:prstGeom>
+        </p:spPr>
+      </p:pic>
+      <p:pic>
+        <p:nvPicPr>
+          <p:cNvPr id="5" name="Image 1" descr="preencoded.png">    </p:cNvPr>
+          <p:cNvPicPr>
+            <a:picLocks noChangeAspect="1"/>
+          </p:cNvPicPr>
+          <p:nvPr/>
+        </p:nvPicPr>
+        <p:blipFill>
+          <a:blip r:embed="rId2"/>
+          <a:stretch>
+            <a:fillRect/>
+          </a:stretch>
+        </p:blipFill>
+        <p:spPr>
+          <a:xfrm>
+            <a:off x="9425345" y="2806422"/>
+            <a:ext cx="4923711" cy="2769632"/>
+          </a:xfrm>
+          <a:prstGeom prst="rect">
+            <a:avLst/>
+          </a:prstGeom>
+        </p:spPr>
+      </p:pic>
+      <p:sp>
+        <p:nvSpPr>
+          <p:cNvPr id="6" name="Text 2"/>
+          <p:cNvSpPr/>
+          <p:nvPr/>
+        </p:nvSpPr>
+        <p:spPr>
+          <a:xfrm>
+            <a:off x="787598" y="618887"/>
+            <a:ext cx="5626298" cy="703302"/>
+          </a:xfrm>
+          <a:prstGeom prst="rect">
+            <a:avLst/>
+          </a:prstGeom>
+          <a:noFill/>
+          <a:ln/>
+        </p:spPr>
+        <p:txBody>
+          <a:bodyPr wrap="none" rtlCol="0" anchor="t"/>
+          <a:lstStyle/>
+          <a:p>
+            <a:pPr indent="0" marL="0">
+              <a:lnSpc>
+                <a:spcPts val="5538"/>
+              </a:lnSpc>
+              <a:buNone/>
+            </a:pPr>
+            <a:r>
+              <a:rPr lang="en-US" sz="4430" dirty="0">
+                <a:solidFill>
+                  <a:srgbClr val="272D45"/>
+                </a:solidFill>
+                <a:latin typeface="Kanit" pitchFamily="34" charset="0"/>
+                <a:ea typeface="Kanit" pitchFamily="34" charset="-122"/>
+                <a:cs typeface="Kanit" pitchFamily="34" charset="-120"/>
+              </a:rPr>
+              <a:t>Recommendations</a:t>
+            </a:r>
+            <a:endParaRPr lang="en-US" sz="4430" dirty="0"/>
+          </a:p>
+        </p:txBody>
+      </p:sp>
+      <p:pic>
+        <p:nvPicPr>
+          <p:cNvPr id="7" name="Image 2" descr="preencoded.png">    </p:cNvPr>
+          <p:cNvPicPr>
+            <a:picLocks noChangeAspect="1"/>
+          </p:cNvPicPr>
+          <p:nvPr/>
+        </p:nvPicPr>
+        <p:blipFill>
+          <a:blip r:embed="rId3"/>
+          <a:stretch>
+            <a:fillRect/>
+          </a:stretch>
+        </p:blipFill>
+        <p:spPr>
+          <a:xfrm>
+            <a:off x="787598" y="1659731"/>
+            <a:ext cx="562570" cy="562570"/>
+          </a:xfrm>
+          <a:prstGeom prst="rect">
+            <a:avLst/>
+          </a:prstGeom>
+        </p:spPr>
+      </p:pic>
+      <p:sp>
+        <p:nvSpPr>
+          <p:cNvPr id="8" name="Text 3"/>
+          <p:cNvSpPr/>
+          <p:nvPr/>
+        </p:nvSpPr>
+        <p:spPr>
+          <a:xfrm>
+            <a:off x="787598" y="2447330"/>
+            <a:ext cx="2813090" cy="351592"/>
+          </a:xfrm>
+          <a:prstGeom prst="rect">
+            <a:avLst/>
+          </a:prstGeom>
+          <a:noFill/>
+          <a:ln/>
+        </p:spPr>
+        <p:txBody>
+          <a:bodyPr wrap="none" rtlCol="0" anchor="t"/>
+          <a:lstStyle/>
+          <a:p>
+            <a:pPr algn="l" indent="0" marL="0">
+              <a:lnSpc>
+                <a:spcPts val="2769"/>
+              </a:lnSpc>
+              <a:buNone/>
+            </a:pPr>
+            <a:r>
+              <a:rPr lang="en-US" sz="2215" dirty="0">
+                <a:solidFill>
+                  <a:srgbClr val="2C3249"/>
+                </a:solidFill>
+                <a:latin typeface="Kanit" pitchFamily="34" charset="0"/>
+                <a:ea typeface="Kanit" pitchFamily="34" charset="-122"/>
+                <a:cs typeface="Kanit" pitchFamily="34" charset="-120"/>
+              </a:rPr>
+              <a:t>Targeted Recruitment</a:t>
+            </a:r>
+            <a:endParaRPr lang="en-US" sz="2215" dirty="0"/>
+          </a:p>
+        </p:txBody>
+      </p:sp>
+      <p:sp>
+        <p:nvSpPr>
+          <p:cNvPr id="9" name="Text 4"/>
+          <p:cNvSpPr/>
+          <p:nvPr/>
+        </p:nvSpPr>
+        <p:spPr>
+          <a:xfrm>
+            <a:off x="787598" y="2933938"/>
+            <a:ext cx="3615571" cy="1440180"/>
+          </a:xfrm>
+          <a:prstGeom prst="rect">
+            <a:avLst/>
+          </a:prstGeom>
+          <a:noFill/>
+          <a:ln/>
+        </p:spPr>
+        <p:txBody>
+          <a:bodyPr wrap="square" rtlCol="0" anchor="t"/>
+          <a:lstStyle/>
+          <a:p>
+            <a:pPr algn="l" indent="0" marL="0">
+              <a:lnSpc>
+                <a:spcPts val="2835"/>
+              </a:lnSpc>
+              <a:buNone/>
+            </a:pPr>
+            <a:r>
+              <a:rPr lang="en-US" sz="1772" dirty="0">
+                <a:solidFill>
+                  <a:srgbClr val="2C3249"/>
+                </a:solidFill>
+                <a:latin typeface="Martel Sans" pitchFamily="34" charset="0"/>
+                <a:ea typeface="Martel Sans" pitchFamily="34" charset="-122"/>
+                <a:cs typeface="Martel Sans" pitchFamily="34" charset="-120"/>
+              </a:rPr>
+              <a:t>Enhance the recruitment process to attract and retain top talent with the right skills and cultural fit.</a:t>
+            </a:r>
+            <a:endParaRPr lang="en-US" sz="1772" dirty="0"/>
+          </a:p>
+        </p:txBody>
+      </p:sp>
+      <p:pic>
+        <p:nvPicPr>
+          <p:cNvPr id="10" name="Image 3" descr="preencoded.png">    </p:cNvPr>
+          <p:cNvPicPr>
+            <a:picLocks noChangeAspect="1"/>
+          </p:cNvPicPr>
+          <p:nvPr/>
+        </p:nvPicPr>
+        <p:blipFill>
+          <a:blip r:embed="rId4"/>
+          <a:stretch>
+            <a:fillRect/>
+          </a:stretch>
+        </p:blipFill>
+        <p:spPr>
+          <a:xfrm>
+            <a:off x="4740712" y="1659731"/>
+            <a:ext cx="562570" cy="562570"/>
+          </a:xfrm>
+          <a:prstGeom prst="rect">
+            <a:avLst/>
+          </a:prstGeom>
+        </p:spPr>
+      </p:pic>
+      <p:sp>
+        <p:nvSpPr>
+          <p:cNvPr id="11" name="Text 5"/>
+          <p:cNvSpPr/>
+          <p:nvPr/>
+        </p:nvSpPr>
+        <p:spPr>
+          <a:xfrm>
+            <a:off x="4740712" y="2447330"/>
+            <a:ext cx="2813090" cy="351592"/>
+          </a:xfrm>
+          <a:prstGeom prst="rect">
+            <a:avLst/>
+          </a:prstGeom>
+          <a:noFill/>
+          <a:ln/>
+        </p:spPr>
+        <p:txBody>
+          <a:bodyPr wrap="none" rtlCol="0" anchor="t"/>
+          <a:lstStyle/>
+          <a:p>
+            <a:pPr algn="l" indent="0" marL="0">
+              <a:lnSpc>
+                <a:spcPts val="2769"/>
+              </a:lnSpc>
+              <a:buNone/>
+            </a:pPr>
+            <a:r>
+              <a:rPr lang="en-US" sz="2215" dirty="0">
+                <a:solidFill>
+                  <a:srgbClr val="2C3249"/>
+                </a:solidFill>
+                <a:latin typeface="Kanit" pitchFamily="34" charset="0"/>
+                <a:ea typeface="Kanit" pitchFamily="34" charset="-122"/>
+                <a:cs typeface="Kanit" pitchFamily="34" charset="-120"/>
+              </a:rPr>
+              <a:t>Talent Development</a:t>
+            </a:r>
+            <a:endParaRPr lang="en-US" sz="2215" dirty="0"/>
+          </a:p>
+        </p:txBody>
+      </p:sp>
+      <p:sp>
+        <p:nvSpPr>
+          <p:cNvPr id="12" name="Text 6"/>
+          <p:cNvSpPr/>
+          <p:nvPr/>
+        </p:nvSpPr>
+        <p:spPr>
+          <a:xfrm>
+            <a:off x="4740712" y="2933938"/>
+            <a:ext cx="3615690" cy="1440180"/>
+          </a:xfrm>
+          <a:prstGeom prst="rect">
+            <a:avLst/>
+          </a:prstGeom>
+          <a:noFill/>
+          <a:ln/>
+        </p:spPr>
+        <p:txBody>
+          <a:bodyPr wrap="square" rtlCol="0" anchor="t"/>
+          <a:lstStyle/>
+          <a:p>
+            <a:pPr algn="l" indent="0" marL="0">
+              <a:lnSpc>
+                <a:spcPts val="2835"/>
+              </a:lnSpc>
+              <a:buNone/>
+            </a:pPr>
+            <a:r>
+              <a:rPr lang="en-US" sz="1772" dirty="0">
+                <a:solidFill>
+                  <a:srgbClr val="2C3249"/>
+                </a:solidFill>
+                <a:latin typeface="Martel Sans" pitchFamily="34" charset="0"/>
+                <a:ea typeface="Martel Sans" pitchFamily="34" charset="-122"/>
+                <a:cs typeface="Martel Sans" pitchFamily="34" charset="-120"/>
+              </a:rPr>
+              <a:t>Invest in comprehensive training, mentorship, and career progression opportunities to upskill and retain employees.</a:t>
+            </a:r>
+            <a:endParaRPr lang="en-US" sz="1772" dirty="0"/>
+          </a:p>
+        </p:txBody>
+      </p:sp>
+      <p:pic>
+        <p:nvPicPr>
+          <p:cNvPr id="13" name="Image 4" descr="preencoded.png">    </p:cNvPr>
+          <p:cNvPicPr>
+            <a:picLocks noChangeAspect="1"/>
+          </p:cNvPicPr>
+          <p:nvPr/>
+        </p:nvPicPr>
+        <p:blipFill>
+          <a:blip r:embed="rId5"/>
+          <a:stretch>
+            <a:fillRect/>
+          </a:stretch>
+        </p:blipFill>
+        <p:spPr>
+          <a:xfrm>
+            <a:off x="787598" y="5049203"/>
+            <a:ext cx="562570" cy="562570"/>
+          </a:xfrm>
+          <a:prstGeom prst="rect">
+            <a:avLst/>
+          </a:prstGeom>
+        </p:spPr>
+      </p:pic>
+      <p:sp>
+        <p:nvSpPr>
+          <p:cNvPr id="14" name="Text 7"/>
+          <p:cNvSpPr/>
+          <p:nvPr/>
+        </p:nvSpPr>
+        <p:spPr>
+          <a:xfrm>
+            <a:off x="787598" y="5836801"/>
+            <a:ext cx="2848928" cy="351592"/>
+          </a:xfrm>
+          <a:prstGeom prst="rect">
+            <a:avLst/>
+          </a:prstGeom>
+          <a:noFill/>
+          <a:ln/>
+        </p:spPr>
+        <p:txBody>
+          <a:bodyPr wrap="none" rtlCol="0" anchor="t"/>
+          <a:lstStyle/>
+          <a:p>
+            <a:pPr algn="l" indent="0" marL="0">
+              <a:lnSpc>
+                <a:spcPts val="2769"/>
+              </a:lnSpc>
+              <a:buNone/>
+            </a:pPr>
+            <a:r>
+              <a:rPr lang="en-US" sz="2215" dirty="0">
+                <a:solidFill>
+                  <a:srgbClr val="2C3249"/>
+                </a:solidFill>
+                <a:latin typeface="Kanit" pitchFamily="34" charset="0"/>
+                <a:ea typeface="Kanit" pitchFamily="34" charset="-122"/>
+                <a:cs typeface="Kanit" pitchFamily="34" charset="-120"/>
+              </a:rPr>
+              <a:t>Employee Engagement</a:t>
+            </a:r>
+            <a:endParaRPr lang="en-US" sz="2215" dirty="0"/>
+          </a:p>
+        </p:txBody>
+      </p:sp>
+      <p:sp>
+        <p:nvSpPr>
+          <p:cNvPr id="15" name="Text 8"/>
+          <p:cNvSpPr/>
+          <p:nvPr/>
+        </p:nvSpPr>
+        <p:spPr>
+          <a:xfrm>
+            <a:off x="787598" y="6323409"/>
+            <a:ext cx="3615571" cy="1440180"/>
+          </a:xfrm>
+          <a:prstGeom prst="rect">
+            <a:avLst/>
+          </a:prstGeom>
+          <a:noFill/>
+          <a:ln/>
+        </p:spPr>
+        <p:txBody>
+          <a:bodyPr wrap="square" rtlCol="0" anchor="t"/>
+          <a:lstStyle/>
+          <a:p>
+            <a:pPr algn="l" indent="0" marL="0">
+              <a:lnSpc>
+                <a:spcPts val="2835"/>
+              </a:lnSpc>
+              <a:buNone/>
+            </a:pPr>
+            <a:r>
+              <a:rPr lang="en-US" sz="1772" dirty="0">
+                <a:solidFill>
+                  <a:srgbClr val="2C3249"/>
+                </a:solidFill>
+                <a:latin typeface="Martel Sans" pitchFamily="34" charset="0"/>
+                <a:ea typeface="Martel Sans" pitchFamily="34" charset="-122"/>
+                <a:cs typeface="Martel Sans" pitchFamily="34" charset="-120"/>
+              </a:rPr>
+              <a:t>Implement initiatives to foster a positive work environment, boost morale, and increase job satisfaction.</a:t>
+            </a:r>
+            <a:endParaRPr lang="en-US" sz="1772" dirty="0"/>
+          </a:p>
+        </p:txBody>
+      </p:sp>
+      <p:pic>
+        <p:nvPicPr>
+          <p:cNvPr id="16" name="Image 5" descr="preencoded.png">    </p:cNvPr>
+          <p:cNvPicPr>
+            <a:picLocks noChangeAspect="1"/>
+          </p:cNvPicPr>
+          <p:nvPr/>
+        </p:nvPicPr>
+        <p:blipFill>
+          <a:blip r:embed="rId6"/>
+          <a:stretch>
+            <a:fillRect/>
+          </a:stretch>
+        </p:blipFill>
+        <p:spPr>
+          <a:xfrm>
+            <a:off x="4740712" y="5049203"/>
+            <a:ext cx="562570" cy="562570"/>
+          </a:xfrm>
+          <a:prstGeom prst="rect">
+            <a:avLst/>
+          </a:prstGeom>
+        </p:spPr>
+      </p:pic>
+      <p:sp>
+        <p:nvSpPr>
+          <p:cNvPr id="17" name="Text 9"/>
+          <p:cNvSpPr/>
+          <p:nvPr/>
+        </p:nvSpPr>
+        <p:spPr>
+          <a:xfrm>
+            <a:off x="4740712" y="5836801"/>
+            <a:ext cx="2813090" cy="351592"/>
+          </a:xfrm>
+          <a:prstGeom prst="rect">
+            <a:avLst/>
+          </a:prstGeom>
+          <a:noFill/>
+          <a:ln/>
+        </p:spPr>
+        <p:txBody>
+          <a:bodyPr wrap="none" rtlCol="0" anchor="t"/>
+          <a:lstStyle/>
+          <a:p>
+            <a:pPr algn="l" indent="0" marL="0">
+              <a:lnSpc>
+                <a:spcPts val="2769"/>
+              </a:lnSpc>
+              <a:buNone/>
+            </a:pPr>
+            <a:r>
+              <a:rPr lang="en-US" sz="2215" dirty="0">
+                <a:solidFill>
+                  <a:srgbClr val="2C3249"/>
+                </a:solidFill>
+                <a:latin typeface="Kanit" pitchFamily="34" charset="0"/>
+                <a:ea typeface="Kanit" pitchFamily="34" charset="-122"/>
+                <a:cs typeface="Kanit" pitchFamily="34" charset="-120"/>
+              </a:rPr>
+              <a:t>Compensation Review</a:t>
+            </a:r>
+            <a:endParaRPr lang="en-US" sz="2215" dirty="0"/>
+          </a:p>
+        </p:txBody>
+      </p:sp>
+      <p:sp>
+        <p:nvSpPr>
+          <p:cNvPr id="18" name="Text 10"/>
+          <p:cNvSpPr/>
+          <p:nvPr/>
+        </p:nvSpPr>
+        <p:spPr>
+          <a:xfrm>
+            <a:off x="4740712" y="6323409"/>
+            <a:ext cx="3615690" cy="1440180"/>
+          </a:xfrm>
+          <a:prstGeom prst="rect">
+            <a:avLst/>
+          </a:prstGeom>
+          <a:noFill/>
+          <a:ln/>
+        </p:spPr>
+        <p:txBody>
+          <a:bodyPr wrap="square" rtlCol="0" anchor="t"/>
+          <a:lstStyle/>
+          <a:p>
+            <a:pPr algn="l" indent="0" marL="0">
+              <a:lnSpc>
+                <a:spcPts val="2835"/>
+              </a:lnSpc>
+              <a:buNone/>
+            </a:pPr>
+            <a:r>
+              <a:rPr lang="en-US" sz="1772" dirty="0">
+                <a:solidFill>
+                  <a:srgbClr val="2C3249"/>
+                </a:solidFill>
+                <a:latin typeface="Martel Sans" pitchFamily="34" charset="0"/>
+                <a:ea typeface="Martel Sans" pitchFamily="34" charset="-122"/>
+                <a:cs typeface="Martel Sans" pitchFamily="34" charset="-120"/>
+              </a:rPr>
+              <a:t>Evaluate and adjust the organization's compensation and benefits package to remain competitive in the market.</a:t>
+            </a:r>
+            <a:endParaRPr lang="en-US" sz="1772" dirty="0"/>
+          </a:p>
+        </p:txBody>
+      </p:sp>
+      <p:pic>
+        <p:nvPicPr>
+          <p:cNvPr id="19" name="Image 6" descr="preencoded.png">
+            <a:hlinkClick r:id="rId8" tooltip=""/>
+          </p:cNvPr>
+          <p:cNvPicPr>
+            <a:picLocks noChangeAspect="1"/>
+          </p:cNvPicPr>
+          <p:nvPr/>
+        </p:nvPicPr>
+        <p:blipFill>
+          <a:blip r:embed="rId7"/>
+          <a:stretch>
+            <a:fillRect/>
+          </a:stretch>
+        </p:blipFill>
+        <p:spPr>
+          <a:xfrm>
+            <a:off x="12242153" y="7589520"/>
+            <a:ext cx="2296807" cy="548640"/>
+          </a:xfrm>
+          <a:prstGeom prst="rect">
+            <a:avLst/>
+          </a:prstGeom>
+        </p:spPr>
+      </p:pic>
+    </p:spTree>
+  </p:cSld>
+  <p:clrMapOvr>
+    <a:masterClrMapping/>
+  </p:clrMapOvr>
+</p:sld>
+</file>
+
+<file path=ppt/slides/slide9.xml><?xml version="1.0" encoding="utf-8"?>
+<p:sld xmlns:a="http://schemas.openxmlformats.org/drawingml/2006/main" xmlns:r="http://schemas.openxmlformats.org/officeDocument/2006/relationships" xmlns:p="http://schemas.openxmlformats.org/presentationml/2006/main">
+  <p:cSld name="Slide 9">
     <p:spTree>
       <p:nvGrpSpPr>
         <p:cNvPr id="1" name=""/>
